--- a/materials/slides/2.2.pptx
+++ b/materials/slides/2.2.pptx
@@ -5,29 +5,30 @@
     <p:sldMasterId id="2147483776" r:id="rId1"/>
   </p:sldMasterIdLst>
   <p:notesMasterIdLst>
-    <p:notesMasterId r:id="rId19"/>
+    <p:notesMasterId r:id="rId20"/>
   </p:notesMasterIdLst>
   <p:handoutMasterIdLst>
-    <p:handoutMasterId r:id="rId20"/>
+    <p:handoutMasterId r:id="rId21"/>
   </p:handoutMasterIdLst>
   <p:sldIdLst>
     <p:sldId id="256" r:id="rId2"/>
-    <p:sldId id="553" r:id="rId3"/>
-    <p:sldId id="567" r:id="rId4"/>
-    <p:sldId id="554" r:id="rId5"/>
-    <p:sldId id="555" r:id="rId6"/>
-    <p:sldId id="556" r:id="rId7"/>
-    <p:sldId id="557" r:id="rId8"/>
-    <p:sldId id="558" r:id="rId9"/>
-    <p:sldId id="559" r:id="rId10"/>
-    <p:sldId id="560" r:id="rId11"/>
-    <p:sldId id="561" r:id="rId12"/>
-    <p:sldId id="562" r:id="rId13"/>
-    <p:sldId id="563" r:id="rId14"/>
-    <p:sldId id="564" r:id="rId15"/>
-    <p:sldId id="565" r:id="rId16"/>
-    <p:sldId id="566" r:id="rId17"/>
-    <p:sldId id="549" r:id="rId18"/>
+    <p:sldId id="567" r:id="rId3"/>
+    <p:sldId id="568" r:id="rId4"/>
+    <p:sldId id="569" r:id="rId5"/>
+    <p:sldId id="554" r:id="rId6"/>
+    <p:sldId id="555" r:id="rId7"/>
+    <p:sldId id="556" r:id="rId8"/>
+    <p:sldId id="557" r:id="rId9"/>
+    <p:sldId id="558" r:id="rId10"/>
+    <p:sldId id="559" r:id="rId11"/>
+    <p:sldId id="560" r:id="rId12"/>
+    <p:sldId id="561" r:id="rId13"/>
+    <p:sldId id="562" r:id="rId14"/>
+    <p:sldId id="563" r:id="rId15"/>
+    <p:sldId id="564" r:id="rId16"/>
+    <p:sldId id="565" r:id="rId17"/>
+    <p:sldId id="566" r:id="rId18"/>
+    <p:sldId id="549" r:id="rId19"/>
   </p:sldIdLst>
   <p:sldSz cx="12192000" cy="6858000"/>
   <p:notesSz cx="6858000" cy="9144000"/>
@@ -1078,6 +1079,67 @@
 </file>
 
 <file path=ppt/notesSlides/notesSlide3.xml><?xml version="1.0" encoding="utf-8"?>
+<p:notes xmlns:a="http://schemas.openxmlformats.org/drawingml/2006/main" xmlns:r="http://schemas.openxmlformats.org/officeDocument/2006/relationships" xmlns:p="http://schemas.openxmlformats.org/presentationml/2006/main">
+  <p:cSld>
+    <p:spTree>
+      <p:nvGrpSpPr>
+        <p:cNvPr id="1" name=""/>
+        <p:cNvGrpSpPr/>
+        <p:nvPr/>
+      </p:nvGrpSpPr>
+      <p:grpSpPr>
+        <a:xfrm>
+          <a:off x="0" y="0"/>
+          <a:ext cx="0" cy="0"/>
+          <a:chOff x="0" y="0"/>
+          <a:chExt cx="0" cy="0"/>
+        </a:xfrm>
+      </p:grpSpPr>
+      <p:sp>
+        <p:nvSpPr>
+          <p:cNvPr id="2" name="幻灯片图像占位符 1"/>
+          <p:cNvSpPr>
+            <a:spLocks noGrp="1" noRot="1" noChangeAspect="1"/>
+          </p:cNvSpPr>
+          <p:nvPr>
+            <p:ph type="sldImg"/>
+          </p:nvPr>
+        </p:nvSpPr>
+        <p:spPr/>
+      </p:sp>
+      <p:sp>
+        <p:nvSpPr>
+          <p:cNvPr id="3" name="备注占位符 2"/>
+          <p:cNvSpPr>
+            <a:spLocks noGrp="1"/>
+          </p:cNvSpPr>
+          <p:nvPr>
+            <p:ph type="body" idx="1"/>
+          </p:nvPr>
+        </p:nvSpPr>
+        <p:spPr/>
+        <p:txBody>
+          <a:bodyPr/>
+          <a:lstStyle/>
+          <a:p>
+            <a:endParaRPr lang="zh-CN" altLang="en-US" dirty="0"/>
+          </a:p>
+        </p:txBody>
+      </p:sp>
+    </p:spTree>
+    <p:extLst>
+      <p:ext uri="{BB962C8B-B14F-4D97-AF65-F5344CB8AC3E}">
+        <p14:creationId xmlns:p14="http://schemas.microsoft.com/office/powerpoint/2010/main" val="2318797158"/>
+      </p:ext>
+    </p:extLst>
+  </p:cSld>
+  <p:clrMapOvr>
+    <a:masterClrMapping/>
+  </p:clrMapOvr>
+</p:notes>
+</file>
+
+<file path=ppt/notesSlides/notesSlide4.xml><?xml version="1.0" encoding="utf-8"?>
 <p:notes xmlns:a="http://schemas.openxmlformats.org/drawingml/2006/main" xmlns:r="http://schemas.openxmlformats.org/officeDocument/2006/relationships" xmlns:p="http://schemas.openxmlformats.org/presentationml/2006/main">
   <p:cSld>
     <p:spTree>
@@ -3782,6 +3844,119 @@
       </p:grpSpPr>
       <p:sp>
         <p:nvSpPr>
+          <p:cNvPr id="11267" name="Rectangle 2"/>
+          <p:cNvSpPr>
+            <a:spLocks noGrp="1" noChangeArrowheads="1"/>
+          </p:cNvSpPr>
+          <p:nvPr>
+            <p:ph type="title"/>
+          </p:nvPr>
+        </p:nvSpPr>
+        <p:spPr/>
+        <p:txBody>
+          <a:bodyPr/>
+          <a:lstStyle/>
+          <a:p>
+            <a:r>
+              <a:rPr lang="en-US" altLang="zh-CN" dirty="0" smtClean="0"/>
+              <a:t> </a:t>
+            </a:r>
+            <a:r>
+              <a:rPr lang="zh-CN" altLang="en-US" dirty="0" smtClean="0"/>
+              <a:t>软件测试过程模型</a:t>
+            </a:r>
+          </a:p>
+        </p:txBody>
+      </p:sp>
+      <p:sp>
+        <p:nvSpPr>
+          <p:cNvPr id="11268" name="Rectangle 3"/>
+          <p:cNvSpPr>
+            <a:spLocks noGrp="1" noChangeArrowheads="1"/>
+          </p:cNvSpPr>
+          <p:nvPr>
+            <p:ph idx="1"/>
+          </p:nvPr>
+        </p:nvSpPr>
+        <p:spPr/>
+        <p:txBody>
+          <a:bodyPr/>
+          <a:lstStyle/>
+          <a:p>
+            <a:r>
+              <a:rPr lang="en-US" altLang="zh-CN" dirty="0" smtClean="0"/>
+              <a:t>W</a:t>
+            </a:r>
+            <a:r>
+              <a:rPr lang="zh-CN" altLang="en-US" dirty="0" smtClean="0"/>
+              <a:t>模型局限性</a:t>
+            </a:r>
+            <a:endParaRPr lang="en-US" altLang="zh-CN" dirty="0" smtClean="0"/>
+          </a:p>
+          <a:p>
+            <a:pPr lvl="1"/>
+            <a:r>
+              <a:rPr lang="zh-CN" altLang="zh-CN" dirty="0" smtClean="0"/>
+              <a:t>将软件开发看成需求分析、设计和编码等一系列串行的活动</a:t>
+            </a:r>
+          </a:p>
+          <a:p>
+            <a:pPr lvl="1"/>
+            <a:r>
+              <a:rPr lang="zh-CN" altLang="zh-CN" dirty="0" smtClean="0"/>
+              <a:t>开发、测试之间保持着线性的前后关系，无法支持迭代的开发模型，无法支持变更调整</a:t>
+            </a:r>
+          </a:p>
+          <a:p>
+            <a:pPr lvl="1"/>
+            <a:r>
+              <a:rPr lang="zh-CN" altLang="zh-CN" dirty="0" smtClean="0"/>
+              <a:t>未体现测试流程的完整性</a:t>
+            </a:r>
+            <a:endParaRPr lang="zh-CN" altLang="en-US" dirty="0" smtClean="0"/>
+          </a:p>
+        </p:txBody>
+      </p:sp>
+    </p:spTree>
+    <p:extLst>
+      <p:ext uri="{BB962C8B-B14F-4D97-AF65-F5344CB8AC3E}">
+        <p14:creationId xmlns:p14="http://schemas.microsoft.com/office/powerpoint/2010/main" val="3204738119"/>
+      </p:ext>
+    </p:extLst>
+  </p:cSld>
+  <p:clrMapOvr>
+    <a:masterClrMapping/>
+  </p:clrMapOvr>
+  <p:transition/>
+  <p:timing>
+    <p:tnLst>
+      <p:par>
+        <p:cTn id="1" dur="indefinite" restart="never" nodeType="tmRoot"/>
+      </p:par>
+    </p:tnLst>
+  </p:timing>
+</p:sld>
+</file>
+
+<file path=ppt/slides/slide11.xml><?xml version="1.0" encoding="utf-8"?>
+<p:sld xmlns:a="http://schemas.openxmlformats.org/drawingml/2006/main" xmlns:r="http://schemas.openxmlformats.org/officeDocument/2006/relationships" xmlns:p="http://schemas.openxmlformats.org/presentationml/2006/main">
+  <p:cSld>
+    <p:spTree>
+      <p:nvGrpSpPr>
+        <p:cNvPr id="1" name=""/>
+        <p:cNvGrpSpPr/>
+        <p:nvPr/>
+      </p:nvGrpSpPr>
+      <p:grpSpPr>
+        <a:xfrm>
+          <a:off x="0" y="0"/>
+          <a:ext cx="0" cy="0"/>
+          <a:chOff x="0" y="0"/>
+          <a:chExt cx="0" cy="0"/>
+        </a:xfrm>
+      </p:grpSpPr>
+      <p:sp>
+        <p:nvSpPr>
           <p:cNvPr id="12291" name="Rectangle 2"/>
           <p:cNvSpPr>
             <a:spLocks noGrp="1" noChangeArrowheads="1"/>
@@ -3918,7 +4093,7 @@
 </p:sld>
 </file>
 
-<file path=ppt/slides/slide11.xml><?xml version="1.0" encoding="utf-8"?>
+<file path=ppt/slides/slide12.xml><?xml version="1.0" encoding="utf-8"?>
 <p:sld xmlns:a="http://schemas.openxmlformats.org/drawingml/2006/main" xmlns:r="http://schemas.openxmlformats.org/officeDocument/2006/relationships" xmlns:p="http://schemas.openxmlformats.org/presentationml/2006/main">
   <p:cSld>
     <p:spTree>
@@ -4049,7 +4224,7 @@
 </p:sld>
 </file>
 
-<file path=ppt/slides/slide12.xml><?xml version="1.0" encoding="utf-8"?>
+<file path=ppt/slides/slide13.xml><?xml version="1.0" encoding="utf-8"?>
 <p:sld xmlns:a="http://schemas.openxmlformats.org/drawingml/2006/main" xmlns:r="http://schemas.openxmlformats.org/officeDocument/2006/relationships" xmlns:p="http://schemas.openxmlformats.org/presentationml/2006/main">
   <p:cSld>
     <p:spTree>
@@ -4200,105 +4375,6 @@
 </p:sld>
 </file>
 
-<file path=ppt/slides/slide13.xml><?xml version="1.0" encoding="utf-8"?>
-<p:sld xmlns:a="http://schemas.openxmlformats.org/drawingml/2006/main" xmlns:r="http://schemas.openxmlformats.org/officeDocument/2006/relationships" xmlns:p="http://schemas.openxmlformats.org/presentationml/2006/main">
-  <p:cSld>
-    <p:spTree>
-      <p:nvGrpSpPr>
-        <p:cNvPr id="1" name=""/>
-        <p:cNvGrpSpPr/>
-        <p:nvPr/>
-      </p:nvGrpSpPr>
-      <p:grpSpPr>
-        <a:xfrm>
-          <a:off x="0" y="0"/>
-          <a:ext cx="0" cy="0"/>
-          <a:chOff x="0" y="0"/>
-          <a:chExt cx="0" cy="0"/>
-        </a:xfrm>
-      </p:grpSpPr>
-      <p:sp>
-        <p:nvSpPr>
-          <p:cNvPr id="15363" name="Rectangle 2"/>
-          <p:cNvSpPr>
-            <a:spLocks noGrp="1" noChangeArrowheads="1"/>
-          </p:cNvSpPr>
-          <p:nvPr>
-            <p:ph type="title"/>
-          </p:nvPr>
-        </p:nvSpPr>
-        <p:spPr/>
-        <p:txBody>
-          <a:bodyPr/>
-          <a:lstStyle/>
-          <a:p>
-            <a:r>
-              <a:rPr lang="en-US" altLang="zh-CN" dirty="0" smtClean="0"/>
-              <a:t> </a:t>
-            </a:r>
-            <a:r>
-              <a:rPr lang="zh-CN" altLang="en-US" dirty="0" smtClean="0"/>
-              <a:t>软件测试过程模型</a:t>
-            </a:r>
-          </a:p>
-        </p:txBody>
-      </p:sp>
-      <p:sp>
-        <p:nvSpPr>
-          <p:cNvPr id="15364" name="Rectangle 3"/>
-          <p:cNvSpPr>
-            <a:spLocks noGrp="1" noChangeArrowheads="1"/>
-          </p:cNvSpPr>
-          <p:nvPr>
-            <p:ph idx="1"/>
-          </p:nvPr>
-        </p:nvSpPr>
-        <p:spPr/>
-        <p:txBody>
-          <a:bodyPr/>
-          <a:lstStyle/>
-          <a:p>
-            <a:r>
-              <a:rPr lang="en-US" altLang="zh-CN" dirty="0" smtClean="0"/>
-              <a:t>X</a:t>
-            </a:r>
-            <a:r>
-              <a:rPr lang="zh-CN" altLang="en-US" dirty="0" smtClean="0"/>
-              <a:t>模型</a:t>
-            </a:r>
-            <a:endParaRPr lang="en-US" altLang="zh-CN" dirty="0" smtClean="0"/>
-          </a:p>
-          <a:p>
-            <a:pPr lvl="1"/>
-            <a:r>
-              <a:rPr lang="zh-CN" altLang="en-US" dirty="0" smtClean="0"/>
-              <a:t>清晰地体现了单元测试→集成测试→系统测试的过程，该模型还能处理开发中包括交接、频繁重复的集成等工作，更加贴合实际的项目开发流程</a:t>
-            </a:r>
-            <a:endParaRPr lang="zh-CN" altLang="en-US" dirty="0"/>
-          </a:p>
-        </p:txBody>
-      </p:sp>
-    </p:spTree>
-    <p:extLst>
-      <p:ext uri="{BB962C8B-B14F-4D97-AF65-F5344CB8AC3E}">
-        <p14:creationId xmlns:p14="http://schemas.microsoft.com/office/powerpoint/2010/main" val="3960384199"/>
-      </p:ext>
-    </p:extLst>
-  </p:cSld>
-  <p:clrMapOvr>
-    <a:masterClrMapping/>
-  </p:clrMapOvr>
-  <p:transition/>
-  <p:timing>
-    <p:tnLst>
-      <p:par>
-        <p:cTn id="1" dur="indefinite" restart="never" nodeType="tmRoot"/>
-      </p:par>
-    </p:tnLst>
-  </p:timing>
-</p:sld>
-</file>
-
 <file path=ppt/slides/slide14.xml><?xml version="1.0" encoding="utf-8"?>
 <p:sld xmlns:a="http://schemas.openxmlformats.org/drawingml/2006/main" xmlns:r="http://schemas.openxmlformats.org/officeDocument/2006/relationships" xmlns:p="http://schemas.openxmlformats.org/presentationml/2006/main">
   <p:cSld>
@@ -4318,7 +4394,7 @@
       </p:grpSpPr>
       <p:sp>
         <p:nvSpPr>
-          <p:cNvPr id="16387" name="Rectangle 2"/>
+          <p:cNvPr id="15363" name="Rectangle 2"/>
           <p:cNvSpPr>
             <a:spLocks noGrp="1" noChangeArrowheads="1"/>
           </p:cNvSpPr>
@@ -4344,7 +4420,7 @@
       </p:sp>
       <p:sp>
         <p:nvSpPr>
-          <p:cNvPr id="16388" name="Rectangle 3"/>
+          <p:cNvPr id="15364" name="Rectangle 3"/>
           <p:cNvSpPr>
             <a:spLocks noGrp="1" noChangeArrowheads="1"/>
           </p:cNvSpPr>
@@ -4358,8 +4434,12 @@
           <a:lstStyle/>
           <a:p>
             <a:r>
+              <a:rPr lang="en-US" altLang="zh-CN" dirty="0" smtClean="0"/>
+              <a:t>X</a:t>
+            </a:r>
+            <a:r>
               <a:rPr lang="zh-CN" altLang="en-US" dirty="0" smtClean="0"/>
-              <a:t>综合策略</a:t>
+              <a:t>模型</a:t>
             </a:r>
             <a:endParaRPr lang="en-US" altLang="zh-CN" dirty="0" smtClean="0"/>
           </a:p>
@@ -4367,39 +4447,16 @@
             <a:pPr lvl="1"/>
             <a:r>
               <a:rPr lang="zh-CN" altLang="en-US" dirty="0" smtClean="0"/>
-              <a:t>宏观上以</a:t>
-            </a:r>
-            <a:r>
-              <a:rPr lang="en-US" altLang="en-US" dirty="0" smtClean="0"/>
-              <a:t>W</a:t>
-            </a:r>
-            <a:r>
-              <a:rPr lang="zh-CN" altLang="en-US" dirty="0" smtClean="0"/>
-              <a:t>模型为基本框架，将软件开发和测试作为两个并行的过程，测试伴随整个开发过程</a:t>
-            </a:r>
-            <a:endParaRPr lang="en-US" altLang="zh-CN" dirty="0" smtClean="0"/>
-          </a:p>
-          <a:p>
-            <a:pPr lvl="1"/>
-            <a:r>
-              <a:rPr lang="zh-CN" altLang="en-US" dirty="0" smtClean="0"/>
-              <a:t>微观上对每个测试阶段则以</a:t>
-            </a:r>
-            <a:r>
-              <a:rPr lang="en-US" altLang="en-US" dirty="0" smtClean="0"/>
-              <a:t>H</a:t>
-            </a:r>
-            <a:r>
-              <a:rPr lang="zh-CN" altLang="en-US" dirty="0" smtClean="0"/>
-              <a:t>模型为指导，进行独立测试，即只要满足测试执行条件就可以进行独立的测试，并反复迭代测试，直至达到预定目标</a:t>
-            </a:r>
+              <a:t>清晰地体现了单元测试→集成测试→系统测试的过程，该模型还能处理开发中包括交接、频繁重复的集成等工作，更加贴合实际的项目开发流程</a:t>
+            </a:r>
+            <a:endParaRPr lang="zh-CN" altLang="en-US" dirty="0"/>
           </a:p>
         </p:txBody>
       </p:sp>
     </p:spTree>
     <p:extLst>
       <p:ext uri="{BB962C8B-B14F-4D97-AF65-F5344CB8AC3E}">
-        <p14:creationId xmlns:p14="http://schemas.microsoft.com/office/powerpoint/2010/main" val="2019675438"/>
+        <p14:creationId xmlns:p14="http://schemas.microsoft.com/office/powerpoint/2010/main" val="3960384199"/>
       </p:ext>
     </p:extLst>
   </p:cSld>
@@ -4436,6 +4493,124 @@
       </p:grpSpPr>
       <p:sp>
         <p:nvSpPr>
+          <p:cNvPr id="16387" name="Rectangle 2"/>
+          <p:cNvSpPr>
+            <a:spLocks noGrp="1" noChangeArrowheads="1"/>
+          </p:cNvSpPr>
+          <p:nvPr>
+            <p:ph type="title"/>
+          </p:nvPr>
+        </p:nvSpPr>
+        <p:spPr/>
+        <p:txBody>
+          <a:bodyPr/>
+          <a:lstStyle/>
+          <a:p>
+            <a:r>
+              <a:rPr lang="en-US" altLang="zh-CN" dirty="0" smtClean="0"/>
+              <a:t> </a:t>
+            </a:r>
+            <a:r>
+              <a:rPr lang="zh-CN" altLang="en-US" dirty="0" smtClean="0"/>
+              <a:t>软件测试过程模型</a:t>
+            </a:r>
+          </a:p>
+        </p:txBody>
+      </p:sp>
+      <p:sp>
+        <p:nvSpPr>
+          <p:cNvPr id="16388" name="Rectangle 3"/>
+          <p:cNvSpPr>
+            <a:spLocks noGrp="1" noChangeArrowheads="1"/>
+          </p:cNvSpPr>
+          <p:nvPr>
+            <p:ph idx="1"/>
+          </p:nvPr>
+        </p:nvSpPr>
+        <p:spPr/>
+        <p:txBody>
+          <a:bodyPr/>
+          <a:lstStyle/>
+          <a:p>
+            <a:r>
+              <a:rPr lang="zh-CN" altLang="en-US" dirty="0" smtClean="0"/>
+              <a:t>综合策略</a:t>
+            </a:r>
+            <a:endParaRPr lang="en-US" altLang="zh-CN" dirty="0" smtClean="0"/>
+          </a:p>
+          <a:p>
+            <a:pPr lvl="1"/>
+            <a:r>
+              <a:rPr lang="zh-CN" altLang="en-US" dirty="0" smtClean="0"/>
+              <a:t>宏观上以</a:t>
+            </a:r>
+            <a:r>
+              <a:rPr lang="en-US" altLang="en-US" dirty="0" smtClean="0"/>
+              <a:t>W</a:t>
+            </a:r>
+            <a:r>
+              <a:rPr lang="zh-CN" altLang="en-US" dirty="0" smtClean="0"/>
+              <a:t>模型为基本框架，将软件开发和测试作为两个并行的过程，测试伴随整个开发过程</a:t>
+            </a:r>
+            <a:endParaRPr lang="en-US" altLang="zh-CN" dirty="0" smtClean="0"/>
+          </a:p>
+          <a:p>
+            <a:pPr lvl="1"/>
+            <a:r>
+              <a:rPr lang="zh-CN" altLang="en-US" dirty="0" smtClean="0"/>
+              <a:t>微观上对每个测试阶段则以</a:t>
+            </a:r>
+            <a:r>
+              <a:rPr lang="en-US" altLang="en-US" dirty="0" smtClean="0"/>
+              <a:t>H</a:t>
+            </a:r>
+            <a:r>
+              <a:rPr lang="zh-CN" altLang="en-US" dirty="0" smtClean="0"/>
+              <a:t>模型为指导，进行独立测试，即只要满足测试执行条件就可以进行独立的测试，并反复迭代测试，直至达到预定目标</a:t>
+            </a:r>
+          </a:p>
+        </p:txBody>
+      </p:sp>
+    </p:spTree>
+    <p:extLst>
+      <p:ext uri="{BB962C8B-B14F-4D97-AF65-F5344CB8AC3E}">
+        <p14:creationId xmlns:p14="http://schemas.microsoft.com/office/powerpoint/2010/main" val="2019675438"/>
+      </p:ext>
+    </p:extLst>
+  </p:cSld>
+  <p:clrMapOvr>
+    <a:masterClrMapping/>
+  </p:clrMapOvr>
+  <p:transition/>
+  <p:timing>
+    <p:tnLst>
+      <p:par>
+        <p:cTn id="1" dur="indefinite" restart="never" nodeType="tmRoot"/>
+      </p:par>
+    </p:tnLst>
+  </p:timing>
+</p:sld>
+</file>
+
+<file path=ppt/slides/slide16.xml><?xml version="1.0" encoding="utf-8"?>
+<p:sld xmlns:a="http://schemas.openxmlformats.org/drawingml/2006/main" xmlns:r="http://schemas.openxmlformats.org/officeDocument/2006/relationships" xmlns:p="http://schemas.openxmlformats.org/presentationml/2006/main">
+  <p:cSld>
+    <p:spTree>
+      <p:nvGrpSpPr>
+        <p:cNvPr id="1" name=""/>
+        <p:cNvGrpSpPr/>
+        <p:nvPr/>
+      </p:nvGrpSpPr>
+      <p:grpSpPr>
+        <a:xfrm>
+          <a:off x="0" y="0"/>
+          <a:ext cx="0" cy="0"/>
+          <a:chOff x="0" y="0"/>
+          <a:chExt cx="0" cy="0"/>
+        </a:xfrm>
+      </p:grpSpPr>
+      <p:sp>
+        <p:nvSpPr>
           <p:cNvPr id="17411" name="Rectangle 2"/>
           <p:cNvSpPr>
             <a:spLocks noGrp="1" noChangeArrowheads="1"/>
@@ -4556,7 +4731,7 @@
 </p:sld>
 </file>
 
-<file path=ppt/slides/slide16.xml><?xml version="1.0" encoding="utf-8"?>
+<file path=ppt/slides/slide17.xml><?xml version="1.0" encoding="utf-8"?>
 <p:sld xmlns:a="http://schemas.openxmlformats.org/drawingml/2006/main" xmlns:r="http://schemas.openxmlformats.org/officeDocument/2006/relationships" xmlns:p="http://schemas.openxmlformats.org/presentationml/2006/main">
   <p:cSld>
     <p:spTree>
@@ -5171,7 +5346,7 @@
 </p:sld>
 </file>
 
-<file path=ppt/slides/slide17.xml><?xml version="1.0" encoding="utf-8"?>
+<file path=ppt/slides/slide18.xml><?xml version="1.0" encoding="utf-8"?>
 <p:sld xmlns:a="http://schemas.openxmlformats.org/drawingml/2006/main" xmlns:r="http://schemas.openxmlformats.org/officeDocument/2006/relationships" xmlns:p="http://schemas.openxmlformats.org/presentationml/2006/main">
   <p:cSld>
     <p:spTree>
@@ -5264,9 +5439,9 @@
       </p:grpSpPr>
       <p:sp>
         <p:nvSpPr>
-          <p:cNvPr id="4099" name="Rectangle 2"/>
+          <p:cNvPr id="2" name="标题 1"/>
           <p:cNvSpPr>
-            <a:spLocks noGrp="1" noChangeArrowheads="1"/>
+            <a:spLocks noGrp="1"/>
           </p:cNvSpPr>
           <p:nvPr>
             <p:ph type="title"/>
@@ -5278,21 +5453,18 @@
           <a:lstStyle/>
           <a:p>
             <a:r>
-              <a:rPr lang="en-US" altLang="zh-CN" dirty="0" smtClean="0"/>
-              <a:t>2.3</a:t>
-            </a:r>
-            <a:r>
               <a:rPr lang="zh-CN" altLang="en-US" dirty="0" smtClean="0"/>
-              <a:t>  软件测试模型</a:t>
-            </a:r>
+              <a:t>软件测试过程模型概述</a:t>
+            </a:r>
+            <a:endParaRPr lang="zh-CN" altLang="en-US" dirty="0"/>
           </a:p>
         </p:txBody>
       </p:sp>
       <p:sp>
         <p:nvSpPr>
-          <p:cNvPr id="4100" name="Rectangle 3"/>
+          <p:cNvPr id="3" name="内容占位符 2"/>
           <p:cNvSpPr>
-            <a:spLocks noGrp="1" noChangeArrowheads="1"/>
+            <a:spLocks noGrp="1"/>
           </p:cNvSpPr>
           <p:nvPr>
             <p:ph idx="1"/>
@@ -5305,279 +5477,36 @@
           <a:p>
             <a:r>
               <a:rPr lang="zh-CN" altLang="en-US" dirty="0" smtClean="0"/>
-              <a:t>内容提要</a:t>
-            </a:r>
-          </a:p>
-          <a:p>
-            <a:pPr lvl="1"/>
+              <a:t>什么是软件测试过程模型</a:t>
+            </a:r>
+            <a:endParaRPr lang="en-US" altLang="zh-CN" dirty="0" smtClean="0"/>
+          </a:p>
+          <a:p>
             <a:r>
               <a:rPr lang="zh-CN" altLang="en-US" dirty="0" smtClean="0"/>
-              <a:t>了解常见的</a:t>
-            </a:r>
-            <a:r>
-              <a:rPr lang="zh-CN" altLang="en-US" dirty="0"/>
-              <a:t>测试</a:t>
-            </a:r>
-            <a:r>
-              <a:rPr lang="zh-CN" altLang="en-US" dirty="0" smtClean="0"/>
-              <a:t>模型</a:t>
+              <a:t>常见软件测试过程模型</a:t>
             </a:r>
             <a:endParaRPr lang="en-US" altLang="zh-CN" dirty="0" smtClean="0"/>
-          </a:p>
-          <a:p>
-            <a:pPr lvl="1"/>
-            <a:r>
-              <a:rPr lang="zh-CN" altLang="en-US" dirty="0" smtClean="0"/>
-              <a:t>理解不同测试模型的内涵及优缺点</a:t>
-            </a:r>
-            <a:endParaRPr lang="en-US" altLang="zh-CN" dirty="0"/>
           </a:p>
         </p:txBody>
       </p:sp>
     </p:spTree>
     <p:extLst>
       <p:ext uri="{BB962C8B-B14F-4D97-AF65-F5344CB8AC3E}">
-        <p14:creationId xmlns:p14="http://schemas.microsoft.com/office/powerpoint/2010/main" val="1846247530"/>
+        <p14:creationId xmlns:p14="http://schemas.microsoft.com/office/powerpoint/2010/main" val="2986928373"/>
       </p:ext>
     </p:extLst>
   </p:cSld>
   <p:clrMapOvr>
     <a:masterClrMapping/>
   </p:clrMapOvr>
-  <p:transition/>
+  <p:transition>
+    <p:blinds dir="vert"/>
+  </p:transition>
   <p:timing>
     <p:tnLst>
       <p:par>
-        <p:cTn id="1" dur="indefinite" restart="never" nodeType="tmRoot">
-          <p:childTnLst>
-            <p:seq concurrent="1" nextAc="seek">
-              <p:cTn id="2" dur="indefinite" nodeType="mainSeq">
-                <p:childTnLst>
-                  <p:par>
-                    <p:cTn id="3" fill="hold">
-                      <p:stCondLst>
-                        <p:cond delay="indefinite"/>
-                      </p:stCondLst>
-                      <p:childTnLst>
-                        <p:par>
-                          <p:cTn id="4" fill="hold">
-                            <p:stCondLst>
-                              <p:cond delay="0"/>
-                            </p:stCondLst>
-                            <p:childTnLst>
-                              <p:par>
-                                <p:cTn id="5" presetID="2" presetClass="entr" presetSubtype="4" fill="hold" nodeType="clickEffect">
-                                  <p:stCondLst>
-                                    <p:cond delay="0"/>
-                                  </p:stCondLst>
-                                  <p:childTnLst>
-                                    <p:set>
-                                      <p:cBhvr>
-                                        <p:cTn id="6" dur="1" fill="hold">
-                                          <p:stCondLst>
-                                            <p:cond delay="0"/>
-                                          </p:stCondLst>
-                                        </p:cTn>
-                                        <p:tgtEl>
-                                          <p:spTgt spid="4100">
-                                            <p:txEl>
-                                              <p:pRg st="1" end="1"/>
-                                            </p:txEl>
-                                          </p:spTgt>
-                                        </p:tgtEl>
-                                        <p:attrNameLst>
-                                          <p:attrName>style.visibility</p:attrName>
-                                        </p:attrNameLst>
-                                      </p:cBhvr>
-                                      <p:to>
-                                        <p:strVal val="visible"/>
-                                      </p:to>
-                                    </p:set>
-                                    <p:anim calcmode="lin" valueType="num">
-                                      <p:cBhvr additive="base">
-                                        <p:cTn id="7" dur="500" fill="hold"/>
-                                        <p:tgtEl>
-                                          <p:spTgt spid="4100">
-                                            <p:txEl>
-                                              <p:pRg st="1" end="1"/>
-                                            </p:txEl>
-                                          </p:spTgt>
-                                        </p:tgtEl>
-                                        <p:attrNameLst>
-                                          <p:attrName>ppt_x</p:attrName>
-                                        </p:attrNameLst>
-                                      </p:cBhvr>
-                                      <p:tavLst>
-                                        <p:tav tm="0">
-                                          <p:val>
-                                            <p:strVal val="#ppt_x"/>
-                                          </p:val>
-                                        </p:tav>
-                                        <p:tav tm="100000">
-                                          <p:val>
-                                            <p:strVal val="#ppt_x"/>
-                                          </p:val>
-                                        </p:tav>
-                                      </p:tavLst>
-                                    </p:anim>
-                                    <p:anim calcmode="lin" valueType="num">
-                                      <p:cBhvr additive="base">
-                                        <p:cTn id="8" dur="500" fill="hold"/>
-                                        <p:tgtEl>
-                                          <p:spTgt spid="4100">
-                                            <p:txEl>
-                                              <p:pRg st="1" end="1"/>
-                                            </p:txEl>
-                                          </p:spTgt>
-                                        </p:tgtEl>
-                                        <p:attrNameLst>
-                                          <p:attrName>ppt_y</p:attrName>
-                                        </p:attrNameLst>
-                                      </p:cBhvr>
-                                      <p:tavLst>
-                                        <p:tav tm="0">
-                                          <p:val>
-                                            <p:strVal val="1+#ppt_h/2"/>
-                                          </p:val>
-                                        </p:tav>
-                                        <p:tav tm="100000">
-                                          <p:val>
-                                            <p:strVal val="#ppt_y"/>
-                                          </p:val>
-                                        </p:tav>
-                                      </p:tavLst>
-                                    </p:anim>
-                                  </p:childTnLst>
-                                </p:cTn>
-                              </p:par>
-                            </p:childTnLst>
-                          </p:cTn>
-                        </p:par>
-                      </p:childTnLst>
-                    </p:cTn>
-                  </p:par>
-                  <p:par>
-                    <p:cTn id="9" fill="hold">
-                      <p:stCondLst>
-                        <p:cond delay="indefinite"/>
-                      </p:stCondLst>
-                      <p:childTnLst>
-                        <p:par>
-                          <p:cTn id="10" fill="hold">
-                            <p:stCondLst>
-                              <p:cond delay="0"/>
-                            </p:stCondLst>
-                            <p:childTnLst>
-                              <p:par>
-                                <p:cTn id="11" presetID="2" presetClass="entr" presetSubtype="4" fill="hold" nodeType="clickEffect">
-                                  <p:stCondLst>
-                                    <p:cond delay="0"/>
-                                  </p:stCondLst>
-                                  <p:childTnLst>
-                                    <p:set>
-                                      <p:cBhvr>
-                                        <p:cTn id="12" dur="1" fill="hold">
-                                          <p:stCondLst>
-                                            <p:cond delay="0"/>
-                                          </p:stCondLst>
-                                        </p:cTn>
-                                        <p:tgtEl>
-                                          <p:spTgt spid="4100">
-                                            <p:txEl>
-                                              <p:pRg st="2" end="2"/>
-                                            </p:txEl>
-                                          </p:spTgt>
-                                        </p:tgtEl>
-                                        <p:attrNameLst>
-                                          <p:attrName>style.visibility</p:attrName>
-                                        </p:attrNameLst>
-                                      </p:cBhvr>
-                                      <p:to>
-                                        <p:strVal val="visible"/>
-                                      </p:to>
-                                    </p:set>
-                                    <p:anim calcmode="lin" valueType="num">
-                                      <p:cBhvr additive="base">
-                                        <p:cTn id="13" dur="500" fill="hold"/>
-                                        <p:tgtEl>
-                                          <p:spTgt spid="4100">
-                                            <p:txEl>
-                                              <p:pRg st="2" end="2"/>
-                                            </p:txEl>
-                                          </p:spTgt>
-                                        </p:tgtEl>
-                                        <p:attrNameLst>
-                                          <p:attrName>ppt_x</p:attrName>
-                                        </p:attrNameLst>
-                                      </p:cBhvr>
-                                      <p:tavLst>
-                                        <p:tav tm="0">
-                                          <p:val>
-                                            <p:strVal val="#ppt_x"/>
-                                          </p:val>
-                                        </p:tav>
-                                        <p:tav tm="100000">
-                                          <p:val>
-                                            <p:strVal val="#ppt_x"/>
-                                          </p:val>
-                                        </p:tav>
-                                      </p:tavLst>
-                                    </p:anim>
-                                    <p:anim calcmode="lin" valueType="num">
-                                      <p:cBhvr additive="base">
-                                        <p:cTn id="14" dur="500" fill="hold"/>
-                                        <p:tgtEl>
-                                          <p:spTgt spid="4100">
-                                            <p:txEl>
-                                              <p:pRg st="2" end="2"/>
-                                            </p:txEl>
-                                          </p:spTgt>
-                                        </p:tgtEl>
-                                        <p:attrNameLst>
-                                          <p:attrName>ppt_y</p:attrName>
-                                        </p:attrNameLst>
-                                      </p:cBhvr>
-                                      <p:tavLst>
-                                        <p:tav tm="0">
-                                          <p:val>
-                                            <p:strVal val="1+#ppt_h/2"/>
-                                          </p:val>
-                                        </p:tav>
-                                        <p:tav tm="100000">
-                                          <p:val>
-                                            <p:strVal val="#ppt_y"/>
-                                          </p:val>
-                                        </p:tav>
-                                      </p:tavLst>
-                                    </p:anim>
-                                  </p:childTnLst>
-                                </p:cTn>
-                              </p:par>
-                            </p:childTnLst>
-                          </p:cTn>
-                        </p:par>
-                      </p:childTnLst>
-                    </p:cTn>
-                  </p:par>
-                </p:childTnLst>
-              </p:cTn>
-              <p:prevCondLst>
-                <p:cond evt="onPrev" delay="0">
-                  <p:tgtEl>
-                    <p:sldTgt/>
-                  </p:tgtEl>
-                </p:cond>
-              </p:prevCondLst>
-              <p:nextCondLst>
-                <p:cond evt="onNext" delay="0">
-                  <p:tgtEl>
-                    <p:sldTgt/>
-                  </p:tgtEl>
-                </p:cond>
-              </p:nextCondLst>
-            </p:seq>
-          </p:childTnLst>
-        </p:cTn>
+        <p:cTn id="1" dur="indefinite" restart="never" nodeType="tmRoot"/>
       </p:par>
     </p:tnLst>
   </p:timing>
@@ -5618,11 +5547,7 @@
           <a:p>
             <a:r>
               <a:rPr lang="zh-CN" altLang="en-US" dirty="0" smtClean="0"/>
-              <a:t>软件测试过程模型</a:t>
-            </a:r>
-            <a:r>
-              <a:rPr lang="zh-CN" altLang="en-US" dirty="0" smtClean="0"/>
-              <a:t>概述</a:t>
+              <a:t>软件测试过程模型概述</a:t>
             </a:r>
             <a:endParaRPr lang="zh-CN" altLang="en-US" dirty="0"/>
           </a:p>
@@ -5644,65 +5569,35 @@
           <a:lstStyle/>
           <a:p>
             <a:r>
+              <a:rPr lang="zh-CN" altLang="en-US" dirty="0"/>
+              <a:t>什么</a:t>
+            </a:r>
+            <a:r>
               <a:rPr lang="zh-CN" altLang="en-US" dirty="0" smtClean="0"/>
-              <a:t>常见软件测试过程模型</a:t>
+              <a:t>是软件测试过程模型</a:t>
             </a:r>
             <a:endParaRPr lang="en-US" altLang="zh-CN" dirty="0" smtClean="0"/>
           </a:p>
           <a:p>
             <a:pPr lvl="1"/>
             <a:r>
-              <a:rPr lang="en-US" altLang="zh-CN" dirty="0" smtClean="0"/>
-              <a:t>V</a:t>
-            </a:r>
-            <a:r>
               <a:rPr lang="zh-CN" altLang="en-US" dirty="0" smtClean="0"/>
-              <a:t>模型</a:t>
+              <a:t>软件测试过程的全部过程、活动和任务框架</a:t>
             </a:r>
             <a:endParaRPr lang="en-US" altLang="zh-CN" dirty="0" smtClean="0"/>
           </a:p>
           <a:p>
-            <a:pPr lvl="1"/>
-            <a:r>
-              <a:rPr lang="en-US" altLang="zh-CN" dirty="0" smtClean="0"/>
-              <a:t>W</a:t>
-            </a:r>
-            <a:r>
-              <a:rPr lang="zh-CN" altLang="en-US" dirty="0" smtClean="0"/>
-              <a:t>模型</a:t>
-            </a:r>
-            <a:endParaRPr lang="en-US" altLang="zh-CN" dirty="0" smtClean="0"/>
-          </a:p>
-          <a:p>
-            <a:pPr lvl="1"/>
-            <a:r>
-              <a:rPr lang="en-US" altLang="zh-CN" dirty="0" smtClean="0"/>
-              <a:t>H</a:t>
-            </a:r>
-            <a:r>
-              <a:rPr lang="zh-CN" altLang="en-US" dirty="0" smtClean="0"/>
-              <a:t>模型</a:t>
-            </a:r>
-            <a:endParaRPr lang="en-US" altLang="zh-CN" dirty="0" smtClean="0"/>
-          </a:p>
-          <a:p>
-            <a:pPr lvl="1"/>
-            <a:r>
-              <a:rPr lang="en-US" altLang="zh-CN" dirty="0"/>
-              <a:t>X</a:t>
-            </a:r>
-            <a:r>
-              <a:rPr lang="zh-CN" altLang="en-US" dirty="0" smtClean="0"/>
-              <a:t>模型</a:t>
-            </a:r>
-            <a:endParaRPr lang="en-US" altLang="zh-CN" dirty="0" smtClean="0"/>
+            <a:pPr marL="471487" lvl="1" indent="0">
+              <a:buNone/>
+            </a:pPr>
+            <a:endParaRPr lang="zh-CN" altLang="en-US" dirty="0"/>
           </a:p>
         </p:txBody>
       </p:sp>
     </p:spTree>
     <p:extLst>
       <p:ext uri="{BB962C8B-B14F-4D97-AF65-F5344CB8AC3E}">
-        <p14:creationId xmlns:p14="http://schemas.microsoft.com/office/powerpoint/2010/main" val="2986928373"/>
+        <p14:creationId xmlns:p14="http://schemas.microsoft.com/office/powerpoint/2010/main" val="257606383"/>
       </p:ext>
     </p:extLst>
   </p:cSld>
@@ -5723,6 +5618,132 @@
 </file>
 
 <file path=ppt/slides/slide4.xml><?xml version="1.0" encoding="utf-8"?>
+<p:sld xmlns:a="http://schemas.openxmlformats.org/drawingml/2006/main" xmlns:r="http://schemas.openxmlformats.org/officeDocument/2006/relationships" xmlns:p="http://schemas.openxmlformats.org/presentationml/2006/main">
+  <p:cSld>
+    <p:spTree>
+      <p:nvGrpSpPr>
+        <p:cNvPr id="1" name=""/>
+        <p:cNvGrpSpPr/>
+        <p:nvPr/>
+      </p:nvGrpSpPr>
+      <p:grpSpPr>
+        <a:xfrm>
+          <a:off x="0" y="0"/>
+          <a:ext cx="0" cy="0"/>
+          <a:chOff x="0" y="0"/>
+          <a:chExt cx="0" cy="0"/>
+        </a:xfrm>
+      </p:grpSpPr>
+      <p:sp>
+        <p:nvSpPr>
+          <p:cNvPr id="2" name="标题 1"/>
+          <p:cNvSpPr>
+            <a:spLocks noGrp="1"/>
+          </p:cNvSpPr>
+          <p:nvPr>
+            <p:ph type="title"/>
+          </p:nvPr>
+        </p:nvSpPr>
+        <p:spPr/>
+        <p:txBody>
+          <a:bodyPr/>
+          <a:lstStyle/>
+          <a:p>
+            <a:r>
+              <a:rPr lang="zh-CN" altLang="en-US" dirty="0" smtClean="0"/>
+              <a:t>常见的软件测试模型</a:t>
+            </a:r>
+            <a:endParaRPr lang="zh-CN" altLang="en-US" dirty="0"/>
+          </a:p>
+        </p:txBody>
+      </p:sp>
+      <p:sp>
+        <p:nvSpPr>
+          <p:cNvPr id="3" name="内容占位符 2"/>
+          <p:cNvSpPr>
+            <a:spLocks noGrp="1"/>
+          </p:cNvSpPr>
+          <p:nvPr>
+            <p:ph idx="1"/>
+          </p:nvPr>
+        </p:nvSpPr>
+        <p:spPr/>
+        <p:txBody>
+          <a:bodyPr/>
+          <a:lstStyle/>
+          <a:p>
+            <a:r>
+              <a:rPr lang="en-US" altLang="zh-CN" dirty="0"/>
+              <a:t>V</a:t>
+            </a:r>
+            <a:r>
+              <a:rPr lang="zh-CN" altLang="en-US" dirty="0"/>
+              <a:t>模型</a:t>
+            </a:r>
+            <a:endParaRPr lang="en-US" altLang="zh-CN" dirty="0"/>
+          </a:p>
+          <a:p>
+            <a:r>
+              <a:rPr lang="en-US" altLang="zh-CN" dirty="0"/>
+              <a:t>W</a:t>
+            </a:r>
+            <a:r>
+              <a:rPr lang="zh-CN" altLang="en-US" dirty="0"/>
+              <a:t>模型</a:t>
+            </a:r>
+            <a:endParaRPr lang="en-US" altLang="zh-CN" dirty="0"/>
+          </a:p>
+          <a:p>
+            <a:r>
+              <a:rPr lang="en-US" altLang="zh-CN" dirty="0"/>
+              <a:t>H</a:t>
+            </a:r>
+            <a:r>
+              <a:rPr lang="zh-CN" altLang="en-US" dirty="0"/>
+              <a:t>模型</a:t>
+            </a:r>
+            <a:endParaRPr lang="en-US" altLang="zh-CN" dirty="0"/>
+          </a:p>
+          <a:p>
+            <a:r>
+              <a:rPr lang="en-US" altLang="zh-CN" dirty="0"/>
+              <a:t>X</a:t>
+            </a:r>
+            <a:r>
+              <a:rPr lang="zh-CN" altLang="en-US" dirty="0"/>
+              <a:t>模型</a:t>
+            </a:r>
+            <a:endParaRPr lang="en-US" altLang="zh-CN" dirty="0"/>
+          </a:p>
+          <a:p>
+            <a:endParaRPr lang="zh-CN" altLang="en-US" dirty="0"/>
+          </a:p>
+        </p:txBody>
+      </p:sp>
+    </p:spTree>
+    <p:extLst>
+      <p:ext uri="{BB962C8B-B14F-4D97-AF65-F5344CB8AC3E}">
+        <p14:creationId xmlns:p14="http://schemas.microsoft.com/office/powerpoint/2010/main" val="1973412347"/>
+      </p:ext>
+    </p:extLst>
+  </p:cSld>
+  <p:clrMapOvr>
+    <a:masterClrMapping/>
+  </p:clrMapOvr>
+  <p:transition>
+    <p:blinds dir="vert"/>
+  </p:transition>
+  <p:timing>
+    <p:tnLst>
+      <p:par>
+        <p:cTn id="1" dur="indefinite" restart="never" nodeType="tmRoot"/>
+      </p:par>
+    </p:tnLst>
+  </p:timing>
+</p:sld>
+</file>
+
+<file path=ppt/slides/slide5.xml><?xml version="1.0" encoding="utf-8"?>
 <p:sld xmlns:a="http://schemas.openxmlformats.org/drawingml/2006/main" xmlns:r="http://schemas.openxmlformats.org/officeDocument/2006/relationships" xmlns:p="http://schemas.openxmlformats.org/presentationml/2006/main">
   <p:cSld>
     <p:spTree>
@@ -5877,7 +5898,7 @@
 </p:sld>
 </file>
 
-<file path=ppt/slides/slide5.xml><?xml version="1.0" encoding="utf-8"?>
+<file path=ppt/slides/slide6.xml><?xml version="1.0" encoding="utf-8"?>
 <p:sld xmlns:a="http://schemas.openxmlformats.org/drawingml/2006/main" xmlns:r="http://schemas.openxmlformats.org/officeDocument/2006/relationships" xmlns:p="http://schemas.openxmlformats.org/presentationml/2006/main">
   <p:cSld>
     <p:spTree>
@@ -5953,15 +5974,7 @@
                   <a:srgbClr val="FF0000"/>
                 </a:solidFill>
               </a:rPr>
-              <a:t>动态</a:t>
-            </a:r>
-            <a:r>
-              <a:rPr lang="zh-CN" altLang="en-US" dirty="0" smtClean="0">
-                <a:solidFill>
-                  <a:srgbClr val="FF0000"/>
-                </a:solidFill>
-              </a:rPr>
-              <a:t>测试行为</a:t>
+              <a:t>动态测试行为</a:t>
             </a:r>
             <a:r>
               <a:rPr lang="zh-CN" altLang="en-US" dirty="0" smtClean="0"/>
@@ -6233,7 +6246,7 @@
 </p:sld>
 </file>
 
-<file path=ppt/slides/slide6.xml><?xml version="1.0" encoding="utf-8"?>
+<file path=ppt/slides/slide7.xml><?xml version="1.0" encoding="utf-8"?>
 <p:sld xmlns:a="http://schemas.openxmlformats.org/drawingml/2006/main" xmlns:r="http://schemas.openxmlformats.org/officeDocument/2006/relationships" xmlns:p="http://schemas.openxmlformats.org/presentationml/2006/main">
   <p:cSld>
     <p:spTree>
@@ -6568,7 +6581,7 @@
 </p:sld>
 </file>
 
-<file path=ppt/slides/slide7.xml><?xml version="1.0" encoding="utf-8"?>
+<file path=ppt/slides/slide8.xml><?xml version="1.0" encoding="utf-8"?>
 <p:sld xmlns:a="http://schemas.openxmlformats.org/drawingml/2006/main" xmlns:r="http://schemas.openxmlformats.org/officeDocument/2006/relationships" xmlns:p="http://schemas.openxmlformats.org/presentationml/2006/main">
   <p:cSld>
     <p:spTree>
@@ -6656,7 +6669,7 @@
           <p:nvPr/>
         </p:nvPicPr>
         <p:blipFill>
-          <a:blip r:embed="rId2" cstate="print">
+          <a:blip r:embed="rId3" cstate="print">
             <a:clrChange>
               <a:clrFrom>
                 <a:srgbClr val="FFFFFF"/>
@@ -6722,7 +6735,7 @@
         <p:spPr bwMode="auto">
           <a:xfrm>
             <a:off x="479376" y="3717032"/>
-            <a:ext cx="4392488" cy="1584176"/>
+            <a:ext cx="5112568" cy="1584176"/>
           </a:xfrm>
           <a:prstGeom prst="rect">
             <a:avLst/>
@@ -6980,9 +6993,30 @@
             </a:r>
             <a:r>
               <a:rPr lang="en-US" altLang="zh-CN" kern="0" dirty="0" smtClean="0"/>
-              <a:t> &amp; Design</a:t>
-            </a:r>
-            <a:endParaRPr lang="zh-CN" altLang="en-US" kern="0" dirty="0" smtClean="0"/>
+              <a:t> &amp; </a:t>
+            </a:r>
+            <a:r>
+              <a:rPr lang="en-US" altLang="zh-CN" kern="0" dirty="0" smtClean="0"/>
+              <a:t>Design</a:t>
+            </a:r>
+          </a:p>
+          <a:p>
+            <a:pPr marL="0" indent="0">
+              <a:buNone/>
+            </a:pPr>
+            <a:r>
+              <a:rPr lang="en-US" altLang="zh-CN" kern="0" dirty="0" smtClean="0"/>
+              <a:t>I&amp;E</a:t>
+            </a:r>
+            <a:r>
+              <a:rPr lang="zh-CN" altLang="en-US" kern="0" dirty="0" smtClean="0"/>
+              <a:t>：</a:t>
+            </a:r>
+            <a:r>
+              <a:rPr lang="en-US" altLang="zh-CN" kern="0" dirty="0" err="1" smtClean="0"/>
+              <a:t>Implementation&amp;Execute</a:t>
+            </a:r>
+            <a:endParaRPr lang="zh-CN" altLang="en-US" kern="0" dirty="0"/>
           </a:p>
           <a:p>
             <a:pPr marL="0" indent="0">
@@ -7014,7 +7048,7 @@
 </p:sld>
 </file>
 
-<file path=ppt/slides/slide8.xml><?xml version="1.0" encoding="utf-8"?>
+<file path=ppt/slides/slide9.xml><?xml version="1.0" encoding="utf-8"?>
 <p:sld xmlns:a="http://schemas.openxmlformats.org/drawingml/2006/main" xmlns:r="http://schemas.openxmlformats.org/officeDocument/2006/relationships" xmlns:p="http://schemas.openxmlformats.org/presentationml/2006/main">
   <p:cSld>
     <p:spTree>
@@ -7091,11 +7125,7 @@
             <a:pPr lvl="1"/>
             <a:r>
               <a:rPr lang="zh-CN" altLang="en-US" dirty="0" smtClean="0"/>
-              <a:t>静态</a:t>
-            </a:r>
-            <a:r>
-              <a:rPr lang="zh-CN" altLang="en-US" dirty="0" smtClean="0"/>
-              <a:t>测试和动态测试行为伴随整个开发阶段，并与开发行为对应，有助于早期发现缺陷、了解项目难度、评估测试风险，并加快项目进度，降低项目成本</a:t>
+              <a:t>静态测试和动态测试行为伴随整个开发阶段，并与开发行为对应，有助于早期发现缺陷、了解项目难度、评估测试风险，并加快项目进度，降低项目成本</a:t>
             </a:r>
             <a:endParaRPr lang="zh-CN" altLang="en-US" dirty="0"/>
           </a:p>
@@ -7345,119 +7375,6 @@
             </p:seq>
           </p:childTnLst>
         </p:cTn>
-      </p:par>
-    </p:tnLst>
-  </p:timing>
-</p:sld>
-</file>
-
-<file path=ppt/slides/slide9.xml><?xml version="1.0" encoding="utf-8"?>
-<p:sld xmlns:a="http://schemas.openxmlformats.org/drawingml/2006/main" xmlns:r="http://schemas.openxmlformats.org/officeDocument/2006/relationships" xmlns:p="http://schemas.openxmlformats.org/presentationml/2006/main">
-  <p:cSld>
-    <p:spTree>
-      <p:nvGrpSpPr>
-        <p:cNvPr id="1" name=""/>
-        <p:cNvGrpSpPr/>
-        <p:nvPr/>
-      </p:nvGrpSpPr>
-      <p:grpSpPr>
-        <a:xfrm>
-          <a:off x="0" y="0"/>
-          <a:ext cx="0" cy="0"/>
-          <a:chOff x="0" y="0"/>
-          <a:chExt cx="0" cy="0"/>
-        </a:xfrm>
-      </p:grpSpPr>
-      <p:sp>
-        <p:nvSpPr>
-          <p:cNvPr id="11267" name="Rectangle 2"/>
-          <p:cNvSpPr>
-            <a:spLocks noGrp="1" noChangeArrowheads="1"/>
-          </p:cNvSpPr>
-          <p:nvPr>
-            <p:ph type="title"/>
-          </p:nvPr>
-        </p:nvSpPr>
-        <p:spPr/>
-        <p:txBody>
-          <a:bodyPr/>
-          <a:lstStyle/>
-          <a:p>
-            <a:r>
-              <a:rPr lang="en-US" altLang="zh-CN" dirty="0" smtClean="0"/>
-              <a:t> </a:t>
-            </a:r>
-            <a:r>
-              <a:rPr lang="zh-CN" altLang="en-US" dirty="0" smtClean="0"/>
-              <a:t>软件测试过程模型</a:t>
-            </a:r>
-          </a:p>
-        </p:txBody>
-      </p:sp>
-      <p:sp>
-        <p:nvSpPr>
-          <p:cNvPr id="11268" name="Rectangle 3"/>
-          <p:cNvSpPr>
-            <a:spLocks noGrp="1" noChangeArrowheads="1"/>
-          </p:cNvSpPr>
-          <p:nvPr>
-            <p:ph idx="1"/>
-          </p:nvPr>
-        </p:nvSpPr>
-        <p:spPr/>
-        <p:txBody>
-          <a:bodyPr/>
-          <a:lstStyle/>
-          <a:p>
-            <a:r>
-              <a:rPr lang="en-US" altLang="zh-CN" dirty="0" smtClean="0"/>
-              <a:t>W</a:t>
-            </a:r>
-            <a:r>
-              <a:rPr lang="zh-CN" altLang="en-US" dirty="0" smtClean="0"/>
-              <a:t>模型局限性</a:t>
-            </a:r>
-            <a:endParaRPr lang="en-US" altLang="zh-CN" dirty="0" smtClean="0"/>
-          </a:p>
-          <a:p>
-            <a:pPr lvl="1"/>
-            <a:r>
-              <a:rPr lang="zh-CN" altLang="zh-CN" dirty="0" smtClean="0"/>
-              <a:t>将软件开发看成需求分析、设计和编码等一系列串行的活动</a:t>
-            </a:r>
-          </a:p>
-          <a:p>
-            <a:pPr lvl="1"/>
-            <a:r>
-              <a:rPr lang="zh-CN" altLang="zh-CN" dirty="0" smtClean="0"/>
-              <a:t>开发、测试之间保持着线性的前后关系，无法支持迭代的开发模型，无法支持变更调整</a:t>
-            </a:r>
-          </a:p>
-          <a:p>
-            <a:pPr lvl="1"/>
-            <a:r>
-              <a:rPr lang="zh-CN" altLang="zh-CN" dirty="0" smtClean="0"/>
-              <a:t>未体现测试流程的完整性</a:t>
-            </a:r>
-            <a:endParaRPr lang="zh-CN" altLang="en-US" dirty="0" smtClean="0"/>
-          </a:p>
-        </p:txBody>
-      </p:sp>
-    </p:spTree>
-    <p:extLst>
-      <p:ext uri="{BB962C8B-B14F-4D97-AF65-F5344CB8AC3E}">
-        <p14:creationId xmlns:p14="http://schemas.microsoft.com/office/powerpoint/2010/main" val="3204738119"/>
-      </p:ext>
-    </p:extLst>
-  </p:cSld>
-  <p:clrMapOvr>
-    <a:masterClrMapping/>
-  </p:clrMapOvr>
-  <p:transition/>
-  <p:timing>
-    <p:tnLst>
-      <p:par>
-        <p:cTn id="1" dur="indefinite" restart="never" nodeType="tmRoot"/>
       </p:par>
     </p:tnLst>
   </p:timing>

--- a/materials/slides/2.2.pptx
+++ b/materials/slides/2.2.pptx
@@ -5,30 +5,29 @@
     <p:sldMasterId id="2147483776" r:id="rId1"/>
   </p:sldMasterIdLst>
   <p:notesMasterIdLst>
-    <p:notesMasterId r:id="rId20"/>
+    <p:notesMasterId r:id="rId19"/>
   </p:notesMasterIdLst>
   <p:handoutMasterIdLst>
-    <p:handoutMasterId r:id="rId21"/>
+    <p:handoutMasterId r:id="rId20"/>
   </p:handoutMasterIdLst>
   <p:sldIdLst>
     <p:sldId id="256" r:id="rId2"/>
-    <p:sldId id="567" r:id="rId3"/>
-    <p:sldId id="568" r:id="rId4"/>
-    <p:sldId id="569" r:id="rId5"/>
-    <p:sldId id="554" r:id="rId6"/>
-    <p:sldId id="555" r:id="rId7"/>
-    <p:sldId id="556" r:id="rId8"/>
-    <p:sldId id="557" r:id="rId9"/>
-    <p:sldId id="558" r:id="rId10"/>
-    <p:sldId id="559" r:id="rId11"/>
-    <p:sldId id="560" r:id="rId12"/>
-    <p:sldId id="561" r:id="rId13"/>
-    <p:sldId id="562" r:id="rId14"/>
-    <p:sldId id="563" r:id="rId15"/>
-    <p:sldId id="564" r:id="rId16"/>
-    <p:sldId id="565" r:id="rId17"/>
-    <p:sldId id="566" r:id="rId18"/>
-    <p:sldId id="549" r:id="rId19"/>
+    <p:sldId id="553" r:id="rId3"/>
+    <p:sldId id="567" r:id="rId4"/>
+    <p:sldId id="554" r:id="rId5"/>
+    <p:sldId id="555" r:id="rId6"/>
+    <p:sldId id="556" r:id="rId7"/>
+    <p:sldId id="557" r:id="rId8"/>
+    <p:sldId id="558" r:id="rId9"/>
+    <p:sldId id="559" r:id="rId10"/>
+    <p:sldId id="560" r:id="rId11"/>
+    <p:sldId id="561" r:id="rId12"/>
+    <p:sldId id="562" r:id="rId13"/>
+    <p:sldId id="563" r:id="rId14"/>
+    <p:sldId id="564" r:id="rId15"/>
+    <p:sldId id="565" r:id="rId16"/>
+    <p:sldId id="566" r:id="rId17"/>
+    <p:sldId id="549" r:id="rId18"/>
   </p:sldIdLst>
   <p:sldSz cx="12192000" cy="6858000"/>
   <p:notesSz cx="6858000" cy="9144000"/>
@@ -159,7 +158,7 @@
   </p:defaultTextStyle>
   <p:extLst>
     <p:ext uri="{EFAFB233-063F-42B5-8137-9DF3F51BA10A}">
-      <p15:sldGuideLst xmlns:p15="http://schemas.microsoft.com/office/powerpoint/2012/main">
+      <p15:sldGuideLst xmlns="" xmlns:p15="http://schemas.microsoft.com/office/powerpoint/2012/main">
         <p15:guide id="1" orient="horz" pos="2160" userDrawn="1">
           <p15:clr>
             <a:srgbClr val="A4A3A4"/>
@@ -173,7 +172,7 @@
       </p15:sldGuideLst>
     </p:ext>
     <p:ext uri="{2D200454-40CA-4A62-9FC3-DE9A4176ACB9}">
-      <p15:notesGuideLst xmlns:p15="http://schemas.microsoft.com/office/powerpoint/2012/main">
+      <p15:notesGuideLst xmlns="" xmlns:p15="http://schemas.microsoft.com/office/powerpoint/2012/main">
         <p15:guide id="1" orient="horz" pos="2880">
           <p15:clr>
             <a:srgbClr val="A4A3A4"/>
@@ -945,29 +944,6 @@
           <a:bodyPr/>
           <a:lstStyle/>
           <a:p>
-            <a:pPr marL="0" marR="0" lvl="0" indent="0" algn="l" defTabSz="914400" rtl="0" eaLnBrk="0" fontAlgn="base" latinLnBrk="0" hangingPunct="0">
-              <a:lnSpc>
-                <a:spcPct val="100000"/>
-              </a:lnSpc>
-              <a:spcBef>
-                <a:spcPct val="30000"/>
-              </a:spcBef>
-              <a:spcAft>
-                <a:spcPct val="0"/>
-              </a:spcAft>
-              <a:buClrTx/>
-              <a:buSzTx/>
-              <a:buFontTx/>
-              <a:buNone/>
-              <a:tabLst/>
-              <a:defRPr/>
-            </a:pPr>
-            <a:r>
-              <a:rPr lang="en-US" altLang="zh-CN" dirty="0" smtClean="0"/>
-              <a:t>https://wenku.baidu.com/view/8ff7c98aaa00b52acfc7ca83.html</a:t>
-            </a:r>
-          </a:p>
-          <a:p>
             <a:endParaRPr lang="zh-CN" altLang="en-US" dirty="0"/>
           </a:p>
         </p:txBody>
@@ -1029,38 +1005,6 @@
           <a:bodyPr/>
           <a:lstStyle/>
           <a:p>
-            <a:pPr lvl="1"/>
-            <a:r>
-              <a:rPr lang="zh-CN" altLang="en-US" dirty="0" smtClean="0">
-                <a:solidFill>
-                  <a:srgbClr val="FF0000"/>
-                </a:solidFill>
-              </a:rPr>
-              <a:t>软件测试过程（流程）</a:t>
-            </a:r>
-            <a:endParaRPr lang="en-US" altLang="zh-CN" dirty="0" smtClean="0">
-              <a:solidFill>
-                <a:srgbClr val="FF0000"/>
-              </a:solidFill>
-            </a:endParaRPr>
-          </a:p>
-          <a:p>
-            <a:pPr lvl="1"/>
-            <a:r>
-              <a:rPr lang="zh-CN" altLang="en-US" dirty="0" smtClean="0">
-                <a:solidFill>
-                  <a:srgbClr val="FF0000"/>
-                </a:solidFill>
-              </a:rPr>
-              <a:t>单元、集成、系统、验收</a:t>
-            </a:r>
-            <a:endParaRPr lang="en-US" altLang="zh-CN" dirty="0" smtClean="0">
-              <a:solidFill>
-                <a:srgbClr val="FF0000"/>
-              </a:solidFill>
-            </a:endParaRPr>
-          </a:p>
-          <a:p>
             <a:endParaRPr lang="zh-CN" altLang="en-US" dirty="0"/>
           </a:p>
         </p:txBody>
@@ -1122,6 +1066,35 @@
           <a:bodyPr/>
           <a:lstStyle/>
           <a:p>
+            <a:r>
+              <a:rPr lang="zh-CN" altLang="en-US" dirty="0" smtClean="0"/>
+              <a:t>单元</a:t>
+            </a:r>
+            <a:r>
+              <a:rPr lang="en-US" altLang="zh-CN" dirty="0" smtClean="0"/>
+              <a:t>+</a:t>
+            </a:r>
+            <a:r>
+              <a:rPr lang="zh-CN" altLang="en-US" dirty="0" smtClean="0"/>
+              <a:t>集成：程序设计，路径</a:t>
+            </a:r>
+            <a:endParaRPr lang="en-US" altLang="zh-CN" dirty="0" smtClean="0"/>
+          </a:p>
+          <a:p>
+            <a:r>
+              <a:rPr lang="zh-CN" altLang="en-US" dirty="0" smtClean="0"/>
+              <a:t>系统测试：系统设计，功能、性能</a:t>
+            </a:r>
+            <a:endParaRPr lang="en-US" altLang="zh-CN" dirty="0" smtClean="0"/>
+          </a:p>
+          <a:p>
+            <a:r>
+              <a:rPr lang="zh-CN" altLang="en-US" dirty="0" smtClean="0"/>
+              <a:t>验收测试：需求说明书</a:t>
+            </a:r>
+            <a:endParaRPr lang="en-US" altLang="zh-CN" dirty="0" smtClean="0"/>
+          </a:p>
+          <a:p>
             <a:endParaRPr lang="zh-CN" altLang="en-US" dirty="0"/>
           </a:p>
         </p:txBody>
@@ -1129,7 +1102,7 @@
     </p:spTree>
     <p:extLst>
       <p:ext uri="{BB962C8B-B14F-4D97-AF65-F5344CB8AC3E}">
-        <p14:creationId xmlns:p14="http://schemas.microsoft.com/office/powerpoint/2010/main" val="2318797158"/>
+        <p14:creationId xmlns:p14="http://schemas.microsoft.com/office/powerpoint/2010/main" val="1300716574"/>
       </p:ext>
     </p:extLst>
   </p:cSld>
@@ -1184,152 +1157,342 @@
           <a:lstStyle/>
           <a:p>
             <a:r>
-              <a:rPr lang="en-US" altLang="zh-CN" sz="1200" b="0" i="0" kern="1200" dirty="0" smtClean="0">
-                <a:solidFill>
-                  <a:schemeClr val="tx1"/>
-                </a:solidFill>
-                <a:effectLst/>
-                <a:latin typeface="Arial" charset="0"/>
-                <a:ea typeface="宋体" pitchFamily="2" charset="-122"/>
-                <a:cs typeface="+mn-cs"/>
-              </a:rPr>
-              <a:t>X</a:t>
-            </a:r>
-            <a:r>
-              <a:rPr lang="zh-CN" altLang="en-US" sz="1200" b="0" i="0" kern="1200" dirty="0" smtClean="0">
-                <a:solidFill>
-                  <a:schemeClr val="tx1"/>
-                </a:solidFill>
-                <a:effectLst/>
-                <a:latin typeface="Arial" charset="0"/>
-                <a:ea typeface="宋体" pitchFamily="2" charset="-122"/>
-                <a:cs typeface="+mn-cs"/>
-              </a:rPr>
-              <a:t>模型的左边描述的是针对单独程序片段所进行的相互分离的编码和测试，此后将进行频繁的交接，通过集成最终成为可执行的程序，然后再对这些可执行程序进行测试。己通过</a:t>
-            </a:r>
-            <a:r>
-              <a:rPr lang="zh-CN" altLang="en-US" sz="1200" b="0" i="0" u="none" strike="noStrike" kern="1200" dirty="0" smtClean="0">
-                <a:solidFill>
-                  <a:schemeClr val="tx1"/>
-                </a:solidFill>
-                <a:effectLst/>
-                <a:latin typeface="Arial" charset="0"/>
-                <a:ea typeface="宋体" pitchFamily="2" charset="-122"/>
-                <a:cs typeface="+mn-cs"/>
-                <a:hlinkClick r:id="rId3"/>
-              </a:rPr>
-              <a:t>集成测试</a:t>
-            </a:r>
-            <a:r>
-              <a:rPr lang="zh-CN" altLang="en-US" sz="1200" b="0" i="0" kern="1200" dirty="0" smtClean="0">
-                <a:solidFill>
-                  <a:schemeClr val="tx1"/>
-                </a:solidFill>
-                <a:effectLst/>
-                <a:latin typeface="Arial" charset="0"/>
-                <a:ea typeface="宋体" pitchFamily="2" charset="-122"/>
-                <a:cs typeface="+mn-cs"/>
-              </a:rPr>
-              <a:t>的成品可以进行封装并提交给用户，也可以作为更大规模和范围内集成的一部分。多根并行的曲线表示变更可以在各个部分发生。由图中可见，</a:t>
-            </a:r>
-            <a:r>
-              <a:rPr lang="en-US" altLang="zh-CN" sz="1200" b="0" i="0" kern="1200" dirty="0" smtClean="0">
-                <a:solidFill>
-                  <a:schemeClr val="tx1"/>
-                </a:solidFill>
-                <a:effectLst/>
-                <a:latin typeface="Arial" charset="0"/>
-                <a:ea typeface="宋体" pitchFamily="2" charset="-122"/>
-                <a:cs typeface="+mn-cs"/>
-              </a:rPr>
-              <a:t>X</a:t>
-            </a:r>
-            <a:r>
-              <a:rPr lang="zh-CN" altLang="en-US" sz="1200" b="0" i="0" kern="1200" dirty="0" smtClean="0">
-                <a:solidFill>
-                  <a:schemeClr val="tx1"/>
-                </a:solidFill>
-                <a:effectLst/>
-                <a:latin typeface="Arial" charset="0"/>
-                <a:ea typeface="宋体" pitchFamily="2" charset="-122"/>
-                <a:cs typeface="+mn-cs"/>
-              </a:rPr>
-              <a:t>模型还定位了</a:t>
-            </a:r>
-            <a:r>
-              <a:rPr lang="zh-CN" altLang="en-US" sz="1200" b="0" i="0" u="none" strike="noStrike" kern="1200" dirty="0" smtClean="0">
-                <a:solidFill>
-                  <a:schemeClr val="tx1"/>
-                </a:solidFill>
-                <a:effectLst/>
-                <a:latin typeface="Arial" charset="0"/>
-                <a:ea typeface="宋体" pitchFamily="2" charset="-122"/>
-                <a:cs typeface="+mn-cs"/>
-                <a:hlinkClick r:id="rId4"/>
-              </a:rPr>
-              <a:t>探索性测试</a:t>
-            </a:r>
-            <a:r>
-              <a:rPr lang="zh-CN" altLang="en-US" sz="1200" b="0" i="0" kern="1200" dirty="0" smtClean="0">
-                <a:solidFill>
-                  <a:schemeClr val="tx1"/>
-                </a:solidFill>
-                <a:effectLst/>
-                <a:latin typeface="Arial" charset="0"/>
-                <a:ea typeface="宋体" pitchFamily="2" charset="-122"/>
-                <a:cs typeface="+mn-cs"/>
-              </a:rPr>
-              <a:t>，这是不进行事先计划的特殊类型的测试，这一方式往往能帮助有经验的测试人员在</a:t>
-            </a:r>
-            <a:r>
-              <a:rPr lang="zh-CN" altLang="en-US" sz="1200" b="0" i="0" u="none" strike="noStrike" kern="1200" dirty="0" smtClean="0">
-                <a:solidFill>
-                  <a:schemeClr val="tx1"/>
-                </a:solidFill>
-                <a:effectLst/>
-                <a:latin typeface="Arial" charset="0"/>
-                <a:ea typeface="宋体" pitchFamily="2" charset="-122"/>
-                <a:cs typeface="+mn-cs"/>
-                <a:hlinkClick r:id="rId5"/>
-              </a:rPr>
-              <a:t>测试计划</a:t>
-            </a:r>
-            <a:r>
-              <a:rPr lang="zh-CN" altLang="en-US" sz="1200" b="0" i="0" kern="1200" dirty="0" smtClean="0">
-                <a:solidFill>
-                  <a:schemeClr val="tx1"/>
-                </a:solidFill>
-                <a:effectLst/>
-                <a:latin typeface="Arial" charset="0"/>
-                <a:ea typeface="宋体" pitchFamily="2" charset="-122"/>
-                <a:cs typeface="+mn-cs"/>
-              </a:rPr>
-              <a:t>之外发现更多的</a:t>
-            </a:r>
-            <a:r>
-              <a:rPr lang="zh-CN" altLang="en-US" sz="1200" b="0" i="0" u="none" strike="noStrike" kern="1200" dirty="0" smtClean="0">
-                <a:solidFill>
-                  <a:schemeClr val="tx1"/>
-                </a:solidFill>
-                <a:effectLst/>
-                <a:latin typeface="Arial" charset="0"/>
-                <a:ea typeface="宋体" pitchFamily="2" charset="-122"/>
-                <a:cs typeface="+mn-cs"/>
-                <a:hlinkClick r:id="rId6"/>
-              </a:rPr>
-              <a:t>软件错误</a:t>
-            </a:r>
-            <a:r>
-              <a:rPr lang="zh-CN" altLang="en-US" sz="1200" b="0" i="0" kern="1200" dirty="0" smtClean="0">
-                <a:solidFill>
-                  <a:schemeClr val="tx1"/>
-                </a:solidFill>
-                <a:effectLst/>
-                <a:latin typeface="Arial" charset="0"/>
-                <a:ea typeface="宋体" pitchFamily="2" charset="-122"/>
-                <a:cs typeface="+mn-cs"/>
-              </a:rPr>
-              <a:t>。但这样可能对测试造成人力、物力和财力的浪费，对测试员的熟练程度要求比较高。</a:t>
+              <a:rPr lang="zh-CN" altLang="en-US" dirty="0" smtClean="0"/>
+              <a:t>主要针对程序进行测试，需求的缺陷最后才产生</a:t>
+            </a:r>
+            <a:endParaRPr lang="en-US" altLang="zh-CN" dirty="0" smtClean="0"/>
+          </a:p>
+          <a:p>
+            <a:r>
+              <a:rPr lang="zh-CN" altLang="en-US" dirty="0" smtClean="0"/>
+              <a:t>不能体现尽早的和不断进行测试</a:t>
+            </a:r>
+            <a:endParaRPr lang="zh-CN" altLang="en-US" dirty="0"/>
+          </a:p>
+        </p:txBody>
+      </p:sp>
+    </p:spTree>
+    <p:extLst>
+      <p:ext uri="{BB962C8B-B14F-4D97-AF65-F5344CB8AC3E}">
+        <p14:creationId xmlns:p14="http://schemas.microsoft.com/office/powerpoint/2010/main" val="206365287"/>
+      </p:ext>
+    </p:extLst>
+  </p:cSld>
+  <p:clrMapOvr>
+    <a:masterClrMapping/>
+  </p:clrMapOvr>
+</p:notes>
+</file>
+
+<file path=ppt/notesSlides/notesSlide5.xml><?xml version="1.0" encoding="utf-8"?>
+<p:notes xmlns:a="http://schemas.openxmlformats.org/drawingml/2006/main" xmlns:r="http://schemas.openxmlformats.org/officeDocument/2006/relationships" xmlns:p="http://schemas.openxmlformats.org/presentationml/2006/main">
+  <p:cSld>
+    <p:spTree>
+      <p:nvGrpSpPr>
+        <p:cNvPr id="1" name=""/>
+        <p:cNvGrpSpPr/>
+        <p:nvPr/>
+      </p:nvGrpSpPr>
+      <p:grpSpPr>
+        <a:xfrm>
+          <a:off x="0" y="0"/>
+          <a:ext cx="0" cy="0"/>
+          <a:chOff x="0" y="0"/>
+          <a:chExt cx="0" cy="0"/>
+        </a:xfrm>
+      </p:grpSpPr>
+      <p:sp>
+        <p:nvSpPr>
+          <p:cNvPr id="2" name="幻灯片图像占位符 1"/>
+          <p:cNvSpPr>
+            <a:spLocks noGrp="1" noRot="1" noChangeAspect="1"/>
+          </p:cNvSpPr>
+          <p:nvPr>
+            <p:ph type="sldImg"/>
+          </p:nvPr>
+        </p:nvSpPr>
+        <p:spPr/>
+      </p:sp>
+      <p:sp>
+        <p:nvSpPr>
+          <p:cNvPr id="3" name="备注占位符 2"/>
+          <p:cNvSpPr>
+            <a:spLocks noGrp="1"/>
+          </p:cNvSpPr>
+          <p:nvPr>
+            <p:ph type="body" idx="1"/>
+          </p:nvPr>
+        </p:nvSpPr>
+        <p:spPr/>
+        <p:txBody>
+          <a:bodyPr/>
+          <a:lstStyle/>
+          <a:p>
+            <a:r>
+              <a:rPr lang="zh-CN" altLang="en-US" dirty="0" smtClean="0"/>
+              <a:t>增加了开发阶段同步进行测试</a:t>
+            </a:r>
+            <a:endParaRPr lang="en-US" altLang="zh-CN" dirty="0" smtClean="0"/>
+          </a:p>
+          <a:p>
+            <a:r>
+              <a:rPr lang="en-US" altLang="zh-CN" dirty="0" err="1" smtClean="0"/>
+              <a:t>I&amp;E</a:t>
+            </a:r>
+            <a:r>
+              <a:rPr lang="en-US" altLang="zh-CN" dirty="0" smtClean="0"/>
+              <a:t> implementation&amp;</a:t>
+            </a:r>
+            <a:r>
+              <a:rPr lang="en-US" altLang="zh-CN" baseline="0" dirty="0" smtClean="0"/>
+              <a:t> evaluation </a:t>
+            </a:r>
+            <a:r>
+              <a:rPr lang="zh-CN" altLang="en-US" baseline="0" dirty="0" smtClean="0"/>
+              <a:t>执行和评估</a:t>
+            </a:r>
+            <a:endParaRPr lang="zh-CN" altLang="en-US" dirty="0"/>
+          </a:p>
+        </p:txBody>
+      </p:sp>
+    </p:spTree>
+    <p:extLst>
+      <p:ext uri="{BB962C8B-B14F-4D97-AF65-F5344CB8AC3E}">
+        <p14:creationId xmlns:p14="http://schemas.microsoft.com/office/powerpoint/2010/main" val="3676109541"/>
+      </p:ext>
+    </p:extLst>
+  </p:cSld>
+  <p:clrMapOvr>
+    <a:masterClrMapping/>
+  </p:clrMapOvr>
+</p:notes>
+</file>
+
+<file path=ppt/notesSlides/notesSlide6.xml><?xml version="1.0" encoding="utf-8"?>
+<p:notes xmlns:a="http://schemas.openxmlformats.org/drawingml/2006/main" xmlns:r="http://schemas.openxmlformats.org/officeDocument/2006/relationships" xmlns:p="http://schemas.openxmlformats.org/presentationml/2006/main">
+  <p:cSld>
+    <p:spTree>
+      <p:nvGrpSpPr>
+        <p:cNvPr id="1" name=""/>
+        <p:cNvGrpSpPr/>
+        <p:nvPr/>
+      </p:nvGrpSpPr>
+      <p:grpSpPr>
+        <a:xfrm>
+          <a:off x="0" y="0"/>
+          <a:ext cx="0" cy="0"/>
+          <a:chOff x="0" y="0"/>
+          <a:chExt cx="0" cy="0"/>
+        </a:xfrm>
+      </p:grpSpPr>
+      <p:sp>
+        <p:nvSpPr>
+          <p:cNvPr id="2" name="幻灯片图像占位符 1"/>
+          <p:cNvSpPr>
+            <a:spLocks noGrp="1" noRot="1" noChangeAspect="1"/>
+          </p:cNvSpPr>
+          <p:nvPr>
+            <p:ph type="sldImg"/>
+          </p:nvPr>
+        </p:nvSpPr>
+        <p:spPr/>
+      </p:sp>
+      <p:sp>
+        <p:nvSpPr>
+          <p:cNvPr id="3" name="备注占位符 2"/>
+          <p:cNvSpPr>
+            <a:spLocks noGrp="1"/>
+          </p:cNvSpPr>
+          <p:nvPr>
+            <p:ph type="body" idx="1"/>
+          </p:nvPr>
+        </p:nvSpPr>
+        <p:spPr/>
+        <p:txBody>
+          <a:bodyPr/>
+          <a:lstStyle/>
+          <a:p>
+            <a:r>
+              <a:rPr lang="zh-CN" altLang="en-US" dirty="0" smtClean="0"/>
+              <a:t>当前很多是事后补充测试文档的</a:t>
+            </a:r>
+            <a:endParaRPr lang="zh-CN" altLang="en-US" dirty="0"/>
+          </a:p>
+        </p:txBody>
+      </p:sp>
+    </p:spTree>
+    <p:extLst>
+      <p:ext uri="{BB962C8B-B14F-4D97-AF65-F5344CB8AC3E}">
+        <p14:creationId xmlns:p14="http://schemas.microsoft.com/office/powerpoint/2010/main" val="2583792775"/>
+      </p:ext>
+    </p:extLst>
+  </p:cSld>
+  <p:clrMapOvr>
+    <a:masterClrMapping/>
+  </p:clrMapOvr>
+</p:notes>
+</file>
+
+<file path=ppt/notesSlides/notesSlide7.xml><?xml version="1.0" encoding="utf-8"?>
+<p:notes xmlns:a="http://schemas.openxmlformats.org/drawingml/2006/main" xmlns:r="http://schemas.openxmlformats.org/officeDocument/2006/relationships" xmlns:p="http://schemas.openxmlformats.org/presentationml/2006/main">
+  <p:cSld>
+    <p:spTree>
+      <p:nvGrpSpPr>
+        <p:cNvPr id="1" name=""/>
+        <p:cNvGrpSpPr/>
+        <p:nvPr/>
+      </p:nvGrpSpPr>
+      <p:grpSpPr>
+        <a:xfrm>
+          <a:off x="0" y="0"/>
+          <a:ext cx="0" cy="0"/>
+          <a:chOff x="0" y="0"/>
+          <a:chExt cx="0" cy="0"/>
+        </a:xfrm>
+      </p:grpSpPr>
+      <p:sp>
+        <p:nvSpPr>
+          <p:cNvPr id="2" name="幻灯片图像占位符 1"/>
+          <p:cNvSpPr>
+            <a:spLocks noGrp="1" noRot="1" noChangeAspect="1"/>
+          </p:cNvSpPr>
+          <p:nvPr>
+            <p:ph type="sldImg"/>
+          </p:nvPr>
+        </p:nvSpPr>
+        <p:spPr/>
+      </p:sp>
+      <p:sp>
+        <p:nvSpPr>
+          <p:cNvPr id="3" name="备注占位符 2"/>
+          <p:cNvSpPr>
+            <a:spLocks noGrp="1"/>
+          </p:cNvSpPr>
+          <p:nvPr>
+            <p:ph type="body" idx="1"/>
+          </p:nvPr>
+        </p:nvSpPr>
+        <p:spPr/>
+        <p:txBody>
+          <a:bodyPr/>
+          <a:lstStyle/>
+          <a:p>
+            <a:r>
+              <a:rPr lang="en-US" altLang="zh-CN" dirty="0" smtClean="0"/>
+              <a:t>V</a:t>
+            </a:r>
+            <a:r>
+              <a:rPr lang="zh-CN" altLang="en-US" dirty="0" smtClean="0"/>
+              <a:t>、</a:t>
+            </a:r>
+            <a:r>
+              <a:rPr lang="en-US" altLang="zh-CN" dirty="0" smtClean="0"/>
+              <a:t>W</a:t>
+            </a:r>
+            <a:r>
+              <a:rPr lang="zh-CN" altLang="en-US" dirty="0" smtClean="0"/>
+              <a:t>串行？事实上很多是互相牵制的，交叉进行的。开发存在严格的阶段划分，只是理想状态，试问有几个是明确需求才开始测试呢？</a:t>
+            </a:r>
+            <a:endParaRPr lang="en-US" altLang="zh-CN" dirty="0" smtClean="0"/>
+          </a:p>
+          <a:p>
+            <a:r>
+              <a:rPr lang="zh-CN" altLang="en-US" dirty="0" smtClean="0"/>
+              <a:t>对应，测试也不存在严格的次序关系。各种测试存在反复触发、迭代和增量关系。</a:t>
+            </a:r>
+            <a:endParaRPr lang="en-US" altLang="zh-CN" dirty="0" smtClean="0"/>
+          </a:p>
+          <a:p>
+            <a:r>
+              <a:rPr lang="zh-CN" altLang="en-US" dirty="0" smtClean="0"/>
+              <a:t>某个测试层次的</a:t>
+            </a:r>
+            <a:r>
+              <a:rPr lang="zh-CN" altLang="en-US" dirty="0" smtClean="0"/>
+              <a:t>微循环</a:t>
+            </a:r>
+            <a:endParaRPr lang="en-US" altLang="zh-CN" smtClean="0"/>
+          </a:p>
+          <a:p>
+            <a:r>
+              <a:rPr lang="zh-CN" altLang="en-US" smtClean="0"/>
+              <a:t>其他</a:t>
+            </a:r>
+            <a:r>
+              <a:rPr lang="zh-CN" altLang="en-US" dirty="0" smtClean="0"/>
+              <a:t>流程：设计流程，编码流程</a:t>
+            </a:r>
+            <a:endParaRPr lang="zh-CN" altLang="en-US" dirty="0"/>
+          </a:p>
+        </p:txBody>
+      </p:sp>
+    </p:spTree>
+    <p:extLst>
+      <p:ext uri="{BB962C8B-B14F-4D97-AF65-F5344CB8AC3E}">
+        <p14:creationId xmlns:p14="http://schemas.microsoft.com/office/powerpoint/2010/main" val="2090328548"/>
+      </p:ext>
+    </p:extLst>
+  </p:cSld>
+  <p:clrMapOvr>
+    <a:masterClrMapping/>
+  </p:clrMapOvr>
+</p:notes>
+</file>
+
+<file path=ppt/notesSlides/notesSlide8.xml><?xml version="1.0" encoding="utf-8"?>
+<p:notes xmlns:a="http://schemas.openxmlformats.org/drawingml/2006/main" xmlns:r="http://schemas.openxmlformats.org/officeDocument/2006/relationships" xmlns:p="http://schemas.openxmlformats.org/presentationml/2006/main">
+  <p:cSld>
+    <p:spTree>
+      <p:nvGrpSpPr>
+        <p:cNvPr id="1" name=""/>
+        <p:cNvGrpSpPr/>
+        <p:nvPr/>
+      </p:nvGrpSpPr>
+      <p:grpSpPr>
+        <a:xfrm>
+          <a:off x="0" y="0"/>
+          <a:ext cx="0" cy="0"/>
+          <a:chOff x="0" y="0"/>
+          <a:chExt cx="0" cy="0"/>
+        </a:xfrm>
+      </p:grpSpPr>
+      <p:sp>
+        <p:nvSpPr>
+          <p:cNvPr id="2" name="幻灯片图像占位符 1"/>
+          <p:cNvSpPr>
+            <a:spLocks noGrp="1" noRot="1" noChangeAspect="1"/>
+          </p:cNvSpPr>
+          <p:nvPr>
+            <p:ph type="sldImg"/>
+          </p:nvPr>
+        </p:nvSpPr>
+        <p:spPr/>
+      </p:sp>
+      <p:sp>
+        <p:nvSpPr>
+          <p:cNvPr id="3" name="备注占位符 2"/>
+          <p:cNvSpPr>
+            <a:spLocks noGrp="1"/>
+          </p:cNvSpPr>
+          <p:nvPr>
+            <p:ph type="body" idx="1"/>
+          </p:nvPr>
+        </p:nvSpPr>
+        <p:spPr/>
+        <p:txBody>
+          <a:bodyPr/>
+          <a:lstStyle/>
+          <a:p>
+            <a:r>
+              <a:rPr lang="zh-CN" altLang="en-US" dirty="0" smtClean="0"/>
+              <a:t>单个程序段相互隔离的编码和测试，已通过集成测试的成品可以进行封板并提交给用户，或作为更大范围集成的一部分</a:t>
+            </a:r>
+            <a:endParaRPr lang="en-US" altLang="zh-CN" dirty="0" smtClean="0"/>
+          </a:p>
+          <a:p>
+            <a:r>
+              <a:rPr lang="zh-CN" altLang="en-US" dirty="0" smtClean="0"/>
+              <a:t>提出了探索性测试</a:t>
             </a:r>
             <a:endParaRPr lang="zh-CN" altLang="en-US" dirty="0"/>
           </a:p>
@@ -3844,119 +4007,6 @@
       </p:grpSpPr>
       <p:sp>
         <p:nvSpPr>
-          <p:cNvPr id="11267" name="Rectangle 2"/>
-          <p:cNvSpPr>
-            <a:spLocks noGrp="1" noChangeArrowheads="1"/>
-          </p:cNvSpPr>
-          <p:nvPr>
-            <p:ph type="title"/>
-          </p:nvPr>
-        </p:nvSpPr>
-        <p:spPr/>
-        <p:txBody>
-          <a:bodyPr/>
-          <a:lstStyle/>
-          <a:p>
-            <a:r>
-              <a:rPr lang="en-US" altLang="zh-CN" dirty="0" smtClean="0"/>
-              <a:t> </a:t>
-            </a:r>
-            <a:r>
-              <a:rPr lang="zh-CN" altLang="en-US" dirty="0" smtClean="0"/>
-              <a:t>软件测试过程模型</a:t>
-            </a:r>
-          </a:p>
-        </p:txBody>
-      </p:sp>
-      <p:sp>
-        <p:nvSpPr>
-          <p:cNvPr id="11268" name="Rectangle 3"/>
-          <p:cNvSpPr>
-            <a:spLocks noGrp="1" noChangeArrowheads="1"/>
-          </p:cNvSpPr>
-          <p:nvPr>
-            <p:ph idx="1"/>
-          </p:nvPr>
-        </p:nvSpPr>
-        <p:spPr/>
-        <p:txBody>
-          <a:bodyPr/>
-          <a:lstStyle/>
-          <a:p>
-            <a:r>
-              <a:rPr lang="en-US" altLang="zh-CN" dirty="0" smtClean="0"/>
-              <a:t>W</a:t>
-            </a:r>
-            <a:r>
-              <a:rPr lang="zh-CN" altLang="en-US" dirty="0" smtClean="0"/>
-              <a:t>模型局限性</a:t>
-            </a:r>
-            <a:endParaRPr lang="en-US" altLang="zh-CN" dirty="0" smtClean="0"/>
-          </a:p>
-          <a:p>
-            <a:pPr lvl="1"/>
-            <a:r>
-              <a:rPr lang="zh-CN" altLang="zh-CN" dirty="0" smtClean="0"/>
-              <a:t>将软件开发看成需求分析、设计和编码等一系列串行的活动</a:t>
-            </a:r>
-          </a:p>
-          <a:p>
-            <a:pPr lvl="1"/>
-            <a:r>
-              <a:rPr lang="zh-CN" altLang="zh-CN" dirty="0" smtClean="0"/>
-              <a:t>开发、测试之间保持着线性的前后关系，无法支持迭代的开发模型，无法支持变更调整</a:t>
-            </a:r>
-          </a:p>
-          <a:p>
-            <a:pPr lvl="1"/>
-            <a:r>
-              <a:rPr lang="zh-CN" altLang="zh-CN" dirty="0" smtClean="0"/>
-              <a:t>未体现测试流程的完整性</a:t>
-            </a:r>
-            <a:endParaRPr lang="zh-CN" altLang="en-US" dirty="0" smtClean="0"/>
-          </a:p>
-        </p:txBody>
-      </p:sp>
-    </p:spTree>
-    <p:extLst>
-      <p:ext uri="{BB962C8B-B14F-4D97-AF65-F5344CB8AC3E}">
-        <p14:creationId xmlns:p14="http://schemas.microsoft.com/office/powerpoint/2010/main" val="3204738119"/>
-      </p:ext>
-    </p:extLst>
-  </p:cSld>
-  <p:clrMapOvr>
-    <a:masterClrMapping/>
-  </p:clrMapOvr>
-  <p:transition/>
-  <p:timing>
-    <p:tnLst>
-      <p:par>
-        <p:cTn id="1" dur="indefinite" restart="never" nodeType="tmRoot"/>
-      </p:par>
-    </p:tnLst>
-  </p:timing>
-</p:sld>
-</file>
-
-<file path=ppt/slides/slide11.xml><?xml version="1.0" encoding="utf-8"?>
-<p:sld xmlns:a="http://schemas.openxmlformats.org/drawingml/2006/main" xmlns:r="http://schemas.openxmlformats.org/officeDocument/2006/relationships" xmlns:p="http://schemas.openxmlformats.org/presentationml/2006/main">
-  <p:cSld>
-    <p:spTree>
-      <p:nvGrpSpPr>
-        <p:cNvPr id="1" name=""/>
-        <p:cNvGrpSpPr/>
-        <p:nvPr/>
-      </p:nvGrpSpPr>
-      <p:grpSpPr>
-        <a:xfrm>
-          <a:off x="0" y="0"/>
-          <a:ext cx="0" cy="0"/>
-          <a:chOff x="0" y="0"/>
-          <a:chExt cx="0" cy="0"/>
-        </a:xfrm>
-      </p:grpSpPr>
-      <p:sp>
-        <p:nvSpPr>
           <p:cNvPr id="12291" name="Rectangle 2"/>
           <p:cNvSpPr>
             <a:spLocks noGrp="1" noChangeArrowheads="1"/>
@@ -4017,7 +4067,7 @@
           <p:nvPr/>
         </p:nvPicPr>
         <p:blipFill>
-          <a:blip r:embed="rId2">
+          <a:blip r:embed="rId3">
             <a:clrChange>
               <a:clrFrom>
                 <a:srgbClr val="FFFFFF"/>
@@ -4093,7 +4143,7 @@
 </p:sld>
 </file>
 
-<file path=ppt/slides/slide12.xml><?xml version="1.0" encoding="utf-8"?>
+<file path=ppt/slides/slide11.xml><?xml version="1.0" encoding="utf-8"?>
 <p:sld xmlns:a="http://schemas.openxmlformats.org/drawingml/2006/main" xmlns:r="http://schemas.openxmlformats.org/officeDocument/2006/relationships" xmlns:p="http://schemas.openxmlformats.org/presentationml/2006/main">
   <p:cSld>
     <p:spTree>
@@ -4224,7 +4274,7 @@
 </p:sld>
 </file>
 
-<file path=ppt/slides/slide13.xml><?xml version="1.0" encoding="utf-8"?>
+<file path=ppt/slides/slide12.xml><?xml version="1.0" encoding="utf-8"?>
 <p:sld xmlns:a="http://schemas.openxmlformats.org/drawingml/2006/main" xmlns:r="http://schemas.openxmlformats.org/officeDocument/2006/relationships" xmlns:p="http://schemas.openxmlformats.org/presentationml/2006/main">
   <p:cSld>
     <p:spTree>
@@ -4375,6 +4425,117 @@
 </p:sld>
 </file>
 
+<file path=ppt/slides/slide13.xml><?xml version="1.0" encoding="utf-8"?>
+<p:sld xmlns:a="http://schemas.openxmlformats.org/drawingml/2006/main" xmlns:r="http://schemas.openxmlformats.org/officeDocument/2006/relationships" xmlns:p="http://schemas.openxmlformats.org/presentationml/2006/main">
+  <p:cSld>
+    <p:spTree>
+      <p:nvGrpSpPr>
+        <p:cNvPr id="1" name=""/>
+        <p:cNvGrpSpPr/>
+        <p:nvPr/>
+      </p:nvGrpSpPr>
+      <p:grpSpPr>
+        <a:xfrm>
+          <a:off x="0" y="0"/>
+          <a:ext cx="0" cy="0"/>
+          <a:chOff x="0" y="0"/>
+          <a:chExt cx="0" cy="0"/>
+        </a:xfrm>
+      </p:grpSpPr>
+      <p:sp>
+        <p:nvSpPr>
+          <p:cNvPr id="15363" name="Rectangle 2"/>
+          <p:cNvSpPr>
+            <a:spLocks noGrp="1" noChangeArrowheads="1"/>
+          </p:cNvSpPr>
+          <p:nvPr>
+            <p:ph type="title"/>
+          </p:nvPr>
+        </p:nvSpPr>
+        <p:spPr/>
+        <p:txBody>
+          <a:bodyPr/>
+          <a:lstStyle/>
+          <a:p>
+            <a:r>
+              <a:rPr lang="en-US" altLang="zh-CN" dirty="0" smtClean="0"/>
+              <a:t> </a:t>
+            </a:r>
+            <a:r>
+              <a:rPr lang="zh-CN" altLang="en-US" dirty="0" smtClean="0"/>
+              <a:t>软件测试过程模型</a:t>
+            </a:r>
+          </a:p>
+        </p:txBody>
+      </p:sp>
+      <p:sp>
+        <p:nvSpPr>
+          <p:cNvPr id="15364" name="Rectangle 3"/>
+          <p:cNvSpPr>
+            <a:spLocks noGrp="1" noChangeArrowheads="1"/>
+          </p:cNvSpPr>
+          <p:nvPr>
+            <p:ph idx="1"/>
+          </p:nvPr>
+        </p:nvSpPr>
+        <p:spPr/>
+        <p:txBody>
+          <a:bodyPr/>
+          <a:lstStyle/>
+          <a:p>
+            <a:r>
+              <a:rPr lang="en-US" altLang="zh-CN" dirty="0" smtClean="0"/>
+              <a:t>X</a:t>
+            </a:r>
+            <a:r>
+              <a:rPr lang="zh-CN" altLang="en-US" dirty="0" smtClean="0"/>
+              <a:t>模型</a:t>
+            </a:r>
+            <a:endParaRPr lang="en-US" altLang="zh-CN" dirty="0" smtClean="0"/>
+          </a:p>
+          <a:p>
+            <a:pPr lvl="1"/>
+            <a:r>
+              <a:rPr lang="zh-CN" altLang="en-US" dirty="0" smtClean="0"/>
+              <a:t>清晰地体现了单元测试→集成测试→系统测试的过程，该模型还能处理开发中包括</a:t>
+            </a:r>
+            <a:r>
+              <a:rPr lang="zh-CN" altLang="en-US" dirty="0" smtClean="0">
+                <a:solidFill>
+                  <a:srgbClr val="FF0000"/>
+                </a:solidFill>
+              </a:rPr>
+              <a:t>交接、频繁重复</a:t>
+            </a:r>
+            <a:r>
+              <a:rPr lang="zh-CN" altLang="en-US" dirty="0" smtClean="0"/>
+              <a:t>的集成等工作，更加贴合实际的项目开发流程</a:t>
+            </a:r>
+            <a:endParaRPr lang="zh-CN" altLang="en-US" dirty="0"/>
+          </a:p>
+        </p:txBody>
+      </p:sp>
+    </p:spTree>
+    <p:extLst>
+      <p:ext uri="{BB962C8B-B14F-4D97-AF65-F5344CB8AC3E}">
+        <p14:creationId xmlns:p14="http://schemas.microsoft.com/office/powerpoint/2010/main" val="3960384199"/>
+      </p:ext>
+    </p:extLst>
+  </p:cSld>
+  <p:clrMapOvr>
+    <a:masterClrMapping/>
+  </p:clrMapOvr>
+  <p:transition/>
+  <p:timing>
+    <p:tnLst>
+      <p:par>
+        <p:cTn id="1" dur="indefinite" restart="never" nodeType="tmRoot"/>
+      </p:par>
+    </p:tnLst>
+  </p:timing>
+</p:sld>
+</file>
+
 <file path=ppt/slides/slide14.xml><?xml version="1.0" encoding="utf-8"?>
 <p:sld xmlns:a="http://schemas.openxmlformats.org/drawingml/2006/main" xmlns:r="http://schemas.openxmlformats.org/officeDocument/2006/relationships" xmlns:p="http://schemas.openxmlformats.org/presentationml/2006/main">
   <p:cSld>
@@ -4394,7 +4555,7 @@
       </p:grpSpPr>
       <p:sp>
         <p:nvSpPr>
-          <p:cNvPr id="15363" name="Rectangle 2"/>
+          <p:cNvPr id="16387" name="Rectangle 2"/>
           <p:cNvSpPr>
             <a:spLocks noGrp="1" noChangeArrowheads="1"/>
           </p:cNvSpPr>
@@ -4420,7 +4581,7 @@
       </p:sp>
       <p:sp>
         <p:nvSpPr>
-          <p:cNvPr id="15364" name="Rectangle 3"/>
+          <p:cNvPr id="16388" name="Rectangle 3"/>
           <p:cNvSpPr>
             <a:spLocks noGrp="1" noChangeArrowheads="1"/>
           </p:cNvSpPr>
@@ -4434,12 +4595,8 @@
           <a:lstStyle/>
           <a:p>
             <a:r>
-              <a:rPr lang="en-US" altLang="zh-CN" dirty="0" smtClean="0"/>
-              <a:t>X</a:t>
-            </a:r>
-            <a:r>
-              <a:rPr lang="zh-CN" altLang="en-US" dirty="0" smtClean="0"/>
-              <a:t>模型</a:t>
+              <a:rPr lang="zh-CN" altLang="en-US" dirty="0" smtClean="0"/>
+              <a:t>综合策略</a:t>
             </a:r>
             <a:endParaRPr lang="en-US" altLang="zh-CN" dirty="0" smtClean="0"/>
           </a:p>
@@ -4447,16 +4604,39 @@
             <a:pPr lvl="1"/>
             <a:r>
               <a:rPr lang="zh-CN" altLang="en-US" dirty="0" smtClean="0"/>
-              <a:t>清晰地体现了单元测试→集成测试→系统测试的过程，该模型还能处理开发中包括交接、频繁重复的集成等工作，更加贴合实际的项目开发流程</a:t>
-            </a:r>
-            <a:endParaRPr lang="zh-CN" altLang="en-US" dirty="0"/>
+              <a:t>宏观上以</a:t>
+            </a:r>
+            <a:r>
+              <a:rPr lang="en-US" altLang="en-US" dirty="0" smtClean="0"/>
+              <a:t>W</a:t>
+            </a:r>
+            <a:r>
+              <a:rPr lang="zh-CN" altLang="en-US" dirty="0" smtClean="0"/>
+              <a:t>模型为基本框架，将软件开发和测试作为两个并行的过程，测试伴随整个开发过程</a:t>
+            </a:r>
+            <a:endParaRPr lang="en-US" altLang="zh-CN" dirty="0" smtClean="0"/>
+          </a:p>
+          <a:p>
+            <a:pPr lvl="1"/>
+            <a:r>
+              <a:rPr lang="zh-CN" altLang="en-US" dirty="0" smtClean="0"/>
+              <a:t>微观上对每个测试阶段则以</a:t>
+            </a:r>
+            <a:r>
+              <a:rPr lang="en-US" altLang="en-US" dirty="0" smtClean="0"/>
+              <a:t>H</a:t>
+            </a:r>
+            <a:r>
+              <a:rPr lang="zh-CN" altLang="en-US" dirty="0" smtClean="0"/>
+              <a:t>模型为指导，进行独立测试，即只要满足测试执行条件就可以进行独立的测试，并反复迭代测试，直至达到预定目标</a:t>
+            </a:r>
           </a:p>
         </p:txBody>
       </p:sp>
     </p:spTree>
     <p:extLst>
       <p:ext uri="{BB962C8B-B14F-4D97-AF65-F5344CB8AC3E}">
-        <p14:creationId xmlns:p14="http://schemas.microsoft.com/office/powerpoint/2010/main" val="3960384199"/>
+        <p14:creationId xmlns:p14="http://schemas.microsoft.com/office/powerpoint/2010/main" val="2019675438"/>
       </p:ext>
     </p:extLst>
   </p:cSld>
@@ -4493,124 +4673,6 @@
       </p:grpSpPr>
       <p:sp>
         <p:nvSpPr>
-          <p:cNvPr id="16387" name="Rectangle 2"/>
-          <p:cNvSpPr>
-            <a:spLocks noGrp="1" noChangeArrowheads="1"/>
-          </p:cNvSpPr>
-          <p:nvPr>
-            <p:ph type="title"/>
-          </p:nvPr>
-        </p:nvSpPr>
-        <p:spPr/>
-        <p:txBody>
-          <a:bodyPr/>
-          <a:lstStyle/>
-          <a:p>
-            <a:r>
-              <a:rPr lang="en-US" altLang="zh-CN" dirty="0" smtClean="0"/>
-              <a:t> </a:t>
-            </a:r>
-            <a:r>
-              <a:rPr lang="zh-CN" altLang="en-US" dirty="0" smtClean="0"/>
-              <a:t>软件测试过程模型</a:t>
-            </a:r>
-          </a:p>
-        </p:txBody>
-      </p:sp>
-      <p:sp>
-        <p:nvSpPr>
-          <p:cNvPr id="16388" name="Rectangle 3"/>
-          <p:cNvSpPr>
-            <a:spLocks noGrp="1" noChangeArrowheads="1"/>
-          </p:cNvSpPr>
-          <p:nvPr>
-            <p:ph idx="1"/>
-          </p:nvPr>
-        </p:nvSpPr>
-        <p:spPr/>
-        <p:txBody>
-          <a:bodyPr/>
-          <a:lstStyle/>
-          <a:p>
-            <a:r>
-              <a:rPr lang="zh-CN" altLang="en-US" dirty="0" smtClean="0"/>
-              <a:t>综合策略</a:t>
-            </a:r>
-            <a:endParaRPr lang="en-US" altLang="zh-CN" dirty="0" smtClean="0"/>
-          </a:p>
-          <a:p>
-            <a:pPr lvl="1"/>
-            <a:r>
-              <a:rPr lang="zh-CN" altLang="en-US" dirty="0" smtClean="0"/>
-              <a:t>宏观上以</a:t>
-            </a:r>
-            <a:r>
-              <a:rPr lang="en-US" altLang="en-US" dirty="0" smtClean="0"/>
-              <a:t>W</a:t>
-            </a:r>
-            <a:r>
-              <a:rPr lang="zh-CN" altLang="en-US" dirty="0" smtClean="0"/>
-              <a:t>模型为基本框架，将软件开发和测试作为两个并行的过程，测试伴随整个开发过程</a:t>
-            </a:r>
-            <a:endParaRPr lang="en-US" altLang="zh-CN" dirty="0" smtClean="0"/>
-          </a:p>
-          <a:p>
-            <a:pPr lvl="1"/>
-            <a:r>
-              <a:rPr lang="zh-CN" altLang="en-US" dirty="0" smtClean="0"/>
-              <a:t>微观上对每个测试阶段则以</a:t>
-            </a:r>
-            <a:r>
-              <a:rPr lang="en-US" altLang="en-US" dirty="0" smtClean="0"/>
-              <a:t>H</a:t>
-            </a:r>
-            <a:r>
-              <a:rPr lang="zh-CN" altLang="en-US" dirty="0" smtClean="0"/>
-              <a:t>模型为指导，进行独立测试，即只要满足测试执行条件就可以进行独立的测试，并反复迭代测试，直至达到预定目标</a:t>
-            </a:r>
-          </a:p>
-        </p:txBody>
-      </p:sp>
-    </p:spTree>
-    <p:extLst>
-      <p:ext uri="{BB962C8B-B14F-4D97-AF65-F5344CB8AC3E}">
-        <p14:creationId xmlns:p14="http://schemas.microsoft.com/office/powerpoint/2010/main" val="2019675438"/>
-      </p:ext>
-    </p:extLst>
-  </p:cSld>
-  <p:clrMapOvr>
-    <a:masterClrMapping/>
-  </p:clrMapOvr>
-  <p:transition/>
-  <p:timing>
-    <p:tnLst>
-      <p:par>
-        <p:cTn id="1" dur="indefinite" restart="never" nodeType="tmRoot"/>
-      </p:par>
-    </p:tnLst>
-  </p:timing>
-</p:sld>
-</file>
-
-<file path=ppt/slides/slide16.xml><?xml version="1.0" encoding="utf-8"?>
-<p:sld xmlns:a="http://schemas.openxmlformats.org/drawingml/2006/main" xmlns:r="http://schemas.openxmlformats.org/officeDocument/2006/relationships" xmlns:p="http://schemas.openxmlformats.org/presentationml/2006/main">
-  <p:cSld>
-    <p:spTree>
-      <p:nvGrpSpPr>
-        <p:cNvPr id="1" name=""/>
-        <p:cNvGrpSpPr/>
-        <p:nvPr/>
-      </p:nvGrpSpPr>
-      <p:grpSpPr>
-        <a:xfrm>
-          <a:off x="0" y="0"/>
-          <a:ext cx="0" cy="0"/>
-          <a:chOff x="0" y="0"/>
-          <a:chExt cx="0" cy="0"/>
-        </a:xfrm>
-      </p:grpSpPr>
-      <p:sp>
-        <p:nvSpPr>
           <p:cNvPr id="17411" name="Rectangle 2"/>
           <p:cNvSpPr>
             <a:spLocks noGrp="1" noChangeArrowheads="1"/>
@@ -4731,7 +4793,7 @@
 </p:sld>
 </file>
 
-<file path=ppt/slides/slide17.xml><?xml version="1.0" encoding="utf-8"?>
+<file path=ppt/slides/slide16.xml><?xml version="1.0" encoding="utf-8"?>
 <p:sld xmlns:a="http://schemas.openxmlformats.org/drawingml/2006/main" xmlns:r="http://schemas.openxmlformats.org/officeDocument/2006/relationships" xmlns:p="http://schemas.openxmlformats.org/presentationml/2006/main">
   <p:cSld>
     <p:spTree>
@@ -5346,7 +5408,7 @@
 </p:sld>
 </file>
 
-<file path=ppt/slides/slide18.xml><?xml version="1.0" encoding="utf-8"?>
+<file path=ppt/slides/slide17.xml><?xml version="1.0" encoding="utf-8"?>
 <p:sld xmlns:a="http://schemas.openxmlformats.org/drawingml/2006/main" xmlns:r="http://schemas.openxmlformats.org/officeDocument/2006/relationships" xmlns:p="http://schemas.openxmlformats.org/presentationml/2006/main">
   <p:cSld>
     <p:spTree>
@@ -5439,9 +5501,9 @@
       </p:grpSpPr>
       <p:sp>
         <p:nvSpPr>
-          <p:cNvPr id="2" name="标题 1"/>
-          <p:cNvSpPr>
-            <a:spLocks noGrp="1"/>
+          <p:cNvPr id="4099" name="Rectangle 2"/>
+          <p:cNvSpPr>
+            <a:spLocks noGrp="1" noChangeArrowheads="1"/>
           </p:cNvSpPr>
           <p:nvPr>
             <p:ph type="title"/>
@@ -5453,18 +5515,21 @@
           <a:lstStyle/>
           <a:p>
             <a:r>
-              <a:rPr lang="zh-CN" altLang="en-US" dirty="0" smtClean="0"/>
-              <a:t>软件测试过程模型概述</a:t>
-            </a:r>
-            <a:endParaRPr lang="zh-CN" altLang="en-US" dirty="0"/>
+              <a:rPr lang="en-US" altLang="zh-CN" dirty="0" smtClean="0"/>
+              <a:t>2.2</a:t>
+            </a:r>
+            <a:r>
+              <a:rPr lang="zh-CN" altLang="en-US" dirty="0" smtClean="0"/>
+              <a:t>  软件测试模型</a:t>
+            </a:r>
           </a:p>
         </p:txBody>
       </p:sp>
       <p:sp>
         <p:nvSpPr>
-          <p:cNvPr id="3" name="内容占位符 2"/>
-          <p:cNvSpPr>
-            <a:spLocks noGrp="1"/>
+          <p:cNvPr id="4100" name="Rectangle 3"/>
+          <p:cNvSpPr>
+            <a:spLocks noGrp="1" noChangeArrowheads="1"/>
           </p:cNvSpPr>
           <p:nvPr>
             <p:ph idx="1"/>
@@ -5477,36 +5542,279 @@
           <a:p>
             <a:r>
               <a:rPr lang="zh-CN" altLang="en-US" dirty="0" smtClean="0"/>
-              <a:t>什么是软件测试过程模型</a:t>
+              <a:t>内容提要</a:t>
+            </a:r>
+          </a:p>
+          <a:p>
+            <a:pPr lvl="1"/>
+            <a:r>
+              <a:rPr lang="zh-CN" altLang="en-US" dirty="0" smtClean="0"/>
+              <a:t>了解常见的</a:t>
+            </a:r>
+            <a:r>
+              <a:rPr lang="zh-CN" altLang="en-US" dirty="0"/>
+              <a:t>测试</a:t>
+            </a:r>
+            <a:r>
+              <a:rPr lang="zh-CN" altLang="en-US" dirty="0" smtClean="0"/>
+              <a:t>模型</a:t>
             </a:r>
             <a:endParaRPr lang="en-US" altLang="zh-CN" dirty="0" smtClean="0"/>
           </a:p>
           <a:p>
-            <a:r>
-              <a:rPr lang="zh-CN" altLang="en-US" dirty="0" smtClean="0"/>
-              <a:t>常见软件测试过程模型</a:t>
-            </a:r>
-            <a:endParaRPr lang="en-US" altLang="zh-CN" dirty="0" smtClean="0"/>
+            <a:pPr lvl="1"/>
+            <a:r>
+              <a:rPr lang="zh-CN" altLang="en-US" dirty="0" smtClean="0"/>
+              <a:t>理解不同测试模型的内涵及优缺点</a:t>
+            </a:r>
+            <a:endParaRPr lang="en-US" altLang="zh-CN" dirty="0"/>
           </a:p>
         </p:txBody>
       </p:sp>
     </p:spTree>
     <p:extLst>
       <p:ext uri="{BB962C8B-B14F-4D97-AF65-F5344CB8AC3E}">
-        <p14:creationId xmlns:p14="http://schemas.microsoft.com/office/powerpoint/2010/main" val="2986928373"/>
+        <p14:creationId xmlns:p14="http://schemas.microsoft.com/office/powerpoint/2010/main" val="1846247530"/>
       </p:ext>
     </p:extLst>
   </p:cSld>
   <p:clrMapOvr>
     <a:masterClrMapping/>
   </p:clrMapOvr>
-  <p:transition>
-    <p:blinds dir="vert"/>
-  </p:transition>
+  <p:transition/>
   <p:timing>
     <p:tnLst>
       <p:par>
-        <p:cTn id="1" dur="indefinite" restart="never" nodeType="tmRoot"/>
+        <p:cTn id="1" dur="indefinite" restart="never" nodeType="tmRoot">
+          <p:childTnLst>
+            <p:seq concurrent="1" nextAc="seek">
+              <p:cTn id="2" dur="indefinite" nodeType="mainSeq">
+                <p:childTnLst>
+                  <p:par>
+                    <p:cTn id="3" fill="hold">
+                      <p:stCondLst>
+                        <p:cond delay="indefinite"/>
+                      </p:stCondLst>
+                      <p:childTnLst>
+                        <p:par>
+                          <p:cTn id="4" fill="hold">
+                            <p:stCondLst>
+                              <p:cond delay="0"/>
+                            </p:stCondLst>
+                            <p:childTnLst>
+                              <p:par>
+                                <p:cTn id="5" presetID="2" presetClass="entr" presetSubtype="4" fill="hold" nodeType="clickEffect">
+                                  <p:stCondLst>
+                                    <p:cond delay="0"/>
+                                  </p:stCondLst>
+                                  <p:childTnLst>
+                                    <p:set>
+                                      <p:cBhvr>
+                                        <p:cTn id="6" dur="1" fill="hold">
+                                          <p:stCondLst>
+                                            <p:cond delay="0"/>
+                                          </p:stCondLst>
+                                        </p:cTn>
+                                        <p:tgtEl>
+                                          <p:spTgt spid="4100">
+                                            <p:txEl>
+                                              <p:pRg st="1" end="1"/>
+                                            </p:txEl>
+                                          </p:spTgt>
+                                        </p:tgtEl>
+                                        <p:attrNameLst>
+                                          <p:attrName>style.visibility</p:attrName>
+                                        </p:attrNameLst>
+                                      </p:cBhvr>
+                                      <p:to>
+                                        <p:strVal val="visible"/>
+                                      </p:to>
+                                    </p:set>
+                                    <p:anim calcmode="lin" valueType="num">
+                                      <p:cBhvr additive="base">
+                                        <p:cTn id="7" dur="500" fill="hold"/>
+                                        <p:tgtEl>
+                                          <p:spTgt spid="4100">
+                                            <p:txEl>
+                                              <p:pRg st="1" end="1"/>
+                                            </p:txEl>
+                                          </p:spTgt>
+                                        </p:tgtEl>
+                                        <p:attrNameLst>
+                                          <p:attrName>ppt_x</p:attrName>
+                                        </p:attrNameLst>
+                                      </p:cBhvr>
+                                      <p:tavLst>
+                                        <p:tav tm="0">
+                                          <p:val>
+                                            <p:strVal val="#ppt_x"/>
+                                          </p:val>
+                                        </p:tav>
+                                        <p:tav tm="100000">
+                                          <p:val>
+                                            <p:strVal val="#ppt_x"/>
+                                          </p:val>
+                                        </p:tav>
+                                      </p:tavLst>
+                                    </p:anim>
+                                    <p:anim calcmode="lin" valueType="num">
+                                      <p:cBhvr additive="base">
+                                        <p:cTn id="8" dur="500" fill="hold"/>
+                                        <p:tgtEl>
+                                          <p:spTgt spid="4100">
+                                            <p:txEl>
+                                              <p:pRg st="1" end="1"/>
+                                            </p:txEl>
+                                          </p:spTgt>
+                                        </p:tgtEl>
+                                        <p:attrNameLst>
+                                          <p:attrName>ppt_y</p:attrName>
+                                        </p:attrNameLst>
+                                      </p:cBhvr>
+                                      <p:tavLst>
+                                        <p:tav tm="0">
+                                          <p:val>
+                                            <p:strVal val="1+#ppt_h/2"/>
+                                          </p:val>
+                                        </p:tav>
+                                        <p:tav tm="100000">
+                                          <p:val>
+                                            <p:strVal val="#ppt_y"/>
+                                          </p:val>
+                                        </p:tav>
+                                      </p:tavLst>
+                                    </p:anim>
+                                  </p:childTnLst>
+                                </p:cTn>
+                              </p:par>
+                            </p:childTnLst>
+                          </p:cTn>
+                        </p:par>
+                      </p:childTnLst>
+                    </p:cTn>
+                  </p:par>
+                  <p:par>
+                    <p:cTn id="9" fill="hold">
+                      <p:stCondLst>
+                        <p:cond delay="indefinite"/>
+                      </p:stCondLst>
+                      <p:childTnLst>
+                        <p:par>
+                          <p:cTn id="10" fill="hold">
+                            <p:stCondLst>
+                              <p:cond delay="0"/>
+                            </p:stCondLst>
+                            <p:childTnLst>
+                              <p:par>
+                                <p:cTn id="11" presetID="2" presetClass="entr" presetSubtype="4" fill="hold" nodeType="clickEffect">
+                                  <p:stCondLst>
+                                    <p:cond delay="0"/>
+                                  </p:stCondLst>
+                                  <p:childTnLst>
+                                    <p:set>
+                                      <p:cBhvr>
+                                        <p:cTn id="12" dur="1" fill="hold">
+                                          <p:stCondLst>
+                                            <p:cond delay="0"/>
+                                          </p:stCondLst>
+                                        </p:cTn>
+                                        <p:tgtEl>
+                                          <p:spTgt spid="4100">
+                                            <p:txEl>
+                                              <p:pRg st="2" end="2"/>
+                                            </p:txEl>
+                                          </p:spTgt>
+                                        </p:tgtEl>
+                                        <p:attrNameLst>
+                                          <p:attrName>style.visibility</p:attrName>
+                                        </p:attrNameLst>
+                                      </p:cBhvr>
+                                      <p:to>
+                                        <p:strVal val="visible"/>
+                                      </p:to>
+                                    </p:set>
+                                    <p:anim calcmode="lin" valueType="num">
+                                      <p:cBhvr additive="base">
+                                        <p:cTn id="13" dur="500" fill="hold"/>
+                                        <p:tgtEl>
+                                          <p:spTgt spid="4100">
+                                            <p:txEl>
+                                              <p:pRg st="2" end="2"/>
+                                            </p:txEl>
+                                          </p:spTgt>
+                                        </p:tgtEl>
+                                        <p:attrNameLst>
+                                          <p:attrName>ppt_x</p:attrName>
+                                        </p:attrNameLst>
+                                      </p:cBhvr>
+                                      <p:tavLst>
+                                        <p:tav tm="0">
+                                          <p:val>
+                                            <p:strVal val="#ppt_x"/>
+                                          </p:val>
+                                        </p:tav>
+                                        <p:tav tm="100000">
+                                          <p:val>
+                                            <p:strVal val="#ppt_x"/>
+                                          </p:val>
+                                        </p:tav>
+                                      </p:tavLst>
+                                    </p:anim>
+                                    <p:anim calcmode="lin" valueType="num">
+                                      <p:cBhvr additive="base">
+                                        <p:cTn id="14" dur="500" fill="hold"/>
+                                        <p:tgtEl>
+                                          <p:spTgt spid="4100">
+                                            <p:txEl>
+                                              <p:pRg st="2" end="2"/>
+                                            </p:txEl>
+                                          </p:spTgt>
+                                        </p:tgtEl>
+                                        <p:attrNameLst>
+                                          <p:attrName>ppt_y</p:attrName>
+                                        </p:attrNameLst>
+                                      </p:cBhvr>
+                                      <p:tavLst>
+                                        <p:tav tm="0">
+                                          <p:val>
+                                            <p:strVal val="1+#ppt_h/2"/>
+                                          </p:val>
+                                        </p:tav>
+                                        <p:tav tm="100000">
+                                          <p:val>
+                                            <p:strVal val="#ppt_y"/>
+                                          </p:val>
+                                        </p:tav>
+                                      </p:tavLst>
+                                    </p:anim>
+                                  </p:childTnLst>
+                                </p:cTn>
+                              </p:par>
+                            </p:childTnLst>
+                          </p:cTn>
+                        </p:par>
+                      </p:childTnLst>
+                    </p:cTn>
+                  </p:par>
+                </p:childTnLst>
+              </p:cTn>
+              <p:prevCondLst>
+                <p:cond evt="onPrev" delay="0">
+                  <p:tgtEl>
+                    <p:sldTgt/>
+                  </p:tgtEl>
+                </p:cond>
+              </p:prevCondLst>
+              <p:nextCondLst>
+                <p:cond evt="onNext" delay="0">
+                  <p:tgtEl>
+                    <p:sldTgt/>
+                  </p:tgtEl>
+                </p:cond>
+              </p:nextCondLst>
+            </p:seq>
+          </p:childTnLst>
+        </p:cTn>
       </p:par>
     </p:tnLst>
   </p:timing>
@@ -5569,35 +5877,65 @@
           <a:lstStyle/>
           <a:p>
             <a:r>
-              <a:rPr lang="zh-CN" altLang="en-US" dirty="0"/>
-              <a:t>什么</a:t>
-            </a:r>
-            <a:r>
-              <a:rPr lang="zh-CN" altLang="en-US" dirty="0" smtClean="0"/>
-              <a:t>是软件测试过程模型</a:t>
+              <a:rPr lang="zh-CN" altLang="en-US" dirty="0" smtClean="0"/>
+              <a:t>常见软件测试过程模型</a:t>
             </a:r>
             <a:endParaRPr lang="en-US" altLang="zh-CN" dirty="0" smtClean="0"/>
           </a:p>
           <a:p>
             <a:pPr lvl="1"/>
             <a:r>
-              <a:rPr lang="zh-CN" altLang="en-US" dirty="0" smtClean="0"/>
-              <a:t>软件测试过程的全部过程、活动和任务框架</a:t>
+              <a:rPr lang="en-US" altLang="zh-CN" dirty="0" smtClean="0"/>
+              <a:t>V</a:t>
+            </a:r>
+            <a:r>
+              <a:rPr lang="zh-CN" altLang="en-US" dirty="0" smtClean="0"/>
+              <a:t>模型</a:t>
             </a:r>
             <a:endParaRPr lang="en-US" altLang="zh-CN" dirty="0" smtClean="0"/>
           </a:p>
           <a:p>
-            <a:pPr marL="471487" lvl="1" indent="0">
-              <a:buNone/>
-            </a:pPr>
-            <a:endParaRPr lang="zh-CN" altLang="en-US" dirty="0"/>
+            <a:pPr lvl="1"/>
+            <a:r>
+              <a:rPr lang="en-US" altLang="zh-CN" dirty="0" smtClean="0"/>
+              <a:t>W</a:t>
+            </a:r>
+            <a:r>
+              <a:rPr lang="zh-CN" altLang="en-US" dirty="0" smtClean="0"/>
+              <a:t>模型</a:t>
+            </a:r>
+            <a:endParaRPr lang="en-US" altLang="zh-CN" dirty="0" smtClean="0"/>
+          </a:p>
+          <a:p>
+            <a:pPr lvl="1"/>
+            <a:r>
+              <a:rPr lang="en-US" altLang="zh-CN" dirty="0" smtClean="0"/>
+              <a:t>H</a:t>
+            </a:r>
+            <a:r>
+              <a:rPr lang="zh-CN" altLang="en-US" dirty="0" smtClean="0"/>
+              <a:t>模型</a:t>
+            </a:r>
+            <a:endParaRPr lang="en-US" altLang="zh-CN" dirty="0" smtClean="0"/>
+          </a:p>
+          <a:p>
+            <a:pPr lvl="1"/>
+            <a:r>
+              <a:rPr lang="en-US" altLang="zh-CN" dirty="0"/>
+              <a:t>X</a:t>
+            </a:r>
+            <a:r>
+              <a:rPr lang="zh-CN" altLang="en-US" dirty="0" smtClean="0"/>
+              <a:t>模型</a:t>
+            </a:r>
+            <a:endParaRPr lang="en-US" altLang="zh-CN" dirty="0" smtClean="0"/>
           </a:p>
         </p:txBody>
       </p:sp>
     </p:spTree>
     <p:extLst>
       <p:ext uri="{BB962C8B-B14F-4D97-AF65-F5344CB8AC3E}">
-        <p14:creationId xmlns:p14="http://schemas.microsoft.com/office/powerpoint/2010/main" val="257606383"/>
+        <p14:creationId xmlns:p14="http://schemas.microsoft.com/office/powerpoint/2010/main" val="2986928373"/>
       </p:ext>
     </p:extLst>
   </p:cSld>
@@ -5636,132 +5974,6 @@
       </p:grpSpPr>
       <p:sp>
         <p:nvSpPr>
-          <p:cNvPr id="2" name="标题 1"/>
-          <p:cNvSpPr>
-            <a:spLocks noGrp="1"/>
-          </p:cNvSpPr>
-          <p:nvPr>
-            <p:ph type="title"/>
-          </p:nvPr>
-        </p:nvSpPr>
-        <p:spPr/>
-        <p:txBody>
-          <a:bodyPr/>
-          <a:lstStyle/>
-          <a:p>
-            <a:r>
-              <a:rPr lang="zh-CN" altLang="en-US" dirty="0" smtClean="0"/>
-              <a:t>常见的软件测试模型</a:t>
-            </a:r>
-            <a:endParaRPr lang="zh-CN" altLang="en-US" dirty="0"/>
-          </a:p>
-        </p:txBody>
-      </p:sp>
-      <p:sp>
-        <p:nvSpPr>
-          <p:cNvPr id="3" name="内容占位符 2"/>
-          <p:cNvSpPr>
-            <a:spLocks noGrp="1"/>
-          </p:cNvSpPr>
-          <p:nvPr>
-            <p:ph idx="1"/>
-          </p:nvPr>
-        </p:nvSpPr>
-        <p:spPr/>
-        <p:txBody>
-          <a:bodyPr/>
-          <a:lstStyle/>
-          <a:p>
-            <a:r>
-              <a:rPr lang="en-US" altLang="zh-CN" dirty="0"/>
-              <a:t>V</a:t>
-            </a:r>
-            <a:r>
-              <a:rPr lang="zh-CN" altLang="en-US" dirty="0"/>
-              <a:t>模型</a:t>
-            </a:r>
-            <a:endParaRPr lang="en-US" altLang="zh-CN" dirty="0"/>
-          </a:p>
-          <a:p>
-            <a:r>
-              <a:rPr lang="en-US" altLang="zh-CN" dirty="0"/>
-              <a:t>W</a:t>
-            </a:r>
-            <a:r>
-              <a:rPr lang="zh-CN" altLang="en-US" dirty="0"/>
-              <a:t>模型</a:t>
-            </a:r>
-            <a:endParaRPr lang="en-US" altLang="zh-CN" dirty="0"/>
-          </a:p>
-          <a:p>
-            <a:r>
-              <a:rPr lang="en-US" altLang="zh-CN" dirty="0"/>
-              <a:t>H</a:t>
-            </a:r>
-            <a:r>
-              <a:rPr lang="zh-CN" altLang="en-US" dirty="0"/>
-              <a:t>模型</a:t>
-            </a:r>
-            <a:endParaRPr lang="en-US" altLang="zh-CN" dirty="0"/>
-          </a:p>
-          <a:p>
-            <a:r>
-              <a:rPr lang="en-US" altLang="zh-CN" dirty="0"/>
-              <a:t>X</a:t>
-            </a:r>
-            <a:r>
-              <a:rPr lang="zh-CN" altLang="en-US" dirty="0"/>
-              <a:t>模型</a:t>
-            </a:r>
-            <a:endParaRPr lang="en-US" altLang="zh-CN" dirty="0"/>
-          </a:p>
-          <a:p>
-            <a:endParaRPr lang="zh-CN" altLang="en-US" dirty="0"/>
-          </a:p>
-        </p:txBody>
-      </p:sp>
-    </p:spTree>
-    <p:extLst>
-      <p:ext uri="{BB962C8B-B14F-4D97-AF65-F5344CB8AC3E}">
-        <p14:creationId xmlns:p14="http://schemas.microsoft.com/office/powerpoint/2010/main" val="1973412347"/>
-      </p:ext>
-    </p:extLst>
-  </p:cSld>
-  <p:clrMapOvr>
-    <a:masterClrMapping/>
-  </p:clrMapOvr>
-  <p:transition>
-    <p:blinds dir="vert"/>
-  </p:transition>
-  <p:timing>
-    <p:tnLst>
-      <p:par>
-        <p:cTn id="1" dur="indefinite" restart="never" nodeType="tmRoot"/>
-      </p:par>
-    </p:tnLst>
-  </p:timing>
-</p:sld>
-</file>
-
-<file path=ppt/slides/slide5.xml><?xml version="1.0" encoding="utf-8"?>
-<p:sld xmlns:a="http://schemas.openxmlformats.org/drawingml/2006/main" xmlns:r="http://schemas.openxmlformats.org/officeDocument/2006/relationships" xmlns:p="http://schemas.openxmlformats.org/presentationml/2006/main">
-  <p:cSld>
-    <p:spTree>
-      <p:nvGrpSpPr>
-        <p:cNvPr id="1" name=""/>
-        <p:cNvGrpSpPr/>
-        <p:nvPr/>
-      </p:nvGrpSpPr>
-      <p:grpSpPr>
-        <a:xfrm>
-          <a:off x="0" y="0"/>
-          <a:ext cx="0" cy="0"/>
-          <a:chOff x="0" y="0"/>
-          <a:chExt cx="0" cy="0"/>
-        </a:xfrm>
-      </p:grpSpPr>
-      <p:sp>
-        <p:nvSpPr>
           <p:cNvPr id="6147" name="Rectangle 2"/>
           <p:cNvSpPr>
             <a:spLocks noGrp="1" noChangeArrowheads="1"/>
@@ -5822,7 +6034,7 @@
           <p:nvPr/>
         </p:nvPicPr>
         <p:blipFill>
-          <a:blip r:embed="rId2" cstate="print">
+          <a:blip r:embed="rId3" cstate="print">
             <a:clrChange>
               <a:clrFrom>
                 <a:srgbClr val="FFFFFF"/>
@@ -5898,7 +6110,7 @@
 </p:sld>
 </file>
 
-<file path=ppt/slides/slide6.xml><?xml version="1.0" encoding="utf-8"?>
+<file path=ppt/slides/slide5.xml><?xml version="1.0" encoding="utf-8"?>
 <p:sld xmlns:a="http://schemas.openxmlformats.org/drawingml/2006/main" xmlns:r="http://schemas.openxmlformats.org/officeDocument/2006/relationships" xmlns:p="http://schemas.openxmlformats.org/presentationml/2006/main">
   <p:cSld>
     <p:spTree>
@@ -6246,7 +6458,7 @@
 </p:sld>
 </file>
 
-<file path=ppt/slides/slide7.xml><?xml version="1.0" encoding="utf-8"?>
+<file path=ppt/slides/slide6.xml><?xml version="1.0" encoding="utf-8"?>
 <p:sld xmlns:a="http://schemas.openxmlformats.org/drawingml/2006/main" xmlns:r="http://schemas.openxmlformats.org/officeDocument/2006/relationships" xmlns:p="http://schemas.openxmlformats.org/presentationml/2006/main">
   <p:cSld>
     <p:spTree>
@@ -6581,7 +6793,7 @@
 </p:sld>
 </file>
 
-<file path=ppt/slides/slide8.xml><?xml version="1.0" encoding="utf-8"?>
+<file path=ppt/slides/slide7.xml><?xml version="1.0" encoding="utf-8"?>
 <p:sld xmlns:a="http://schemas.openxmlformats.org/drawingml/2006/main" xmlns:r="http://schemas.openxmlformats.org/officeDocument/2006/relationships" xmlns:p="http://schemas.openxmlformats.org/presentationml/2006/main">
   <p:cSld>
     <p:spTree>
@@ -6734,8 +6946,8 @@
         </p:nvSpPr>
         <p:spPr bwMode="auto">
           <a:xfrm>
-            <a:off x="479376" y="3717032"/>
-            <a:ext cx="5112568" cy="1584176"/>
+            <a:off x="335360" y="3755682"/>
+            <a:ext cx="4392488" cy="1584176"/>
           </a:xfrm>
           <a:prstGeom prst="rect">
             <a:avLst/>
@@ -6993,30 +7205,9 @@
             </a:r>
             <a:r>
               <a:rPr lang="en-US" altLang="zh-CN" kern="0" dirty="0" smtClean="0"/>
-              <a:t> &amp; </a:t>
-            </a:r>
-            <a:r>
-              <a:rPr lang="en-US" altLang="zh-CN" kern="0" dirty="0" smtClean="0"/>
-              <a:t>Design</a:t>
-            </a:r>
-          </a:p>
-          <a:p>
-            <a:pPr marL="0" indent="0">
-              <a:buNone/>
-            </a:pPr>
-            <a:r>
-              <a:rPr lang="en-US" altLang="zh-CN" kern="0" dirty="0" smtClean="0"/>
-              <a:t>I&amp;E</a:t>
-            </a:r>
-            <a:r>
-              <a:rPr lang="zh-CN" altLang="en-US" kern="0" dirty="0" smtClean="0"/>
-              <a:t>：</a:t>
-            </a:r>
-            <a:r>
-              <a:rPr lang="en-US" altLang="zh-CN" kern="0" dirty="0" err="1" smtClean="0"/>
-              <a:t>Implementation&amp;Execute</a:t>
-            </a:r>
-            <a:endParaRPr lang="zh-CN" altLang="en-US" kern="0" dirty="0"/>
+              <a:t> &amp; Design</a:t>
+            </a:r>
+            <a:endParaRPr lang="zh-CN" altLang="en-US" kern="0" dirty="0" smtClean="0"/>
           </a:p>
           <a:p>
             <a:pPr marL="0" indent="0">
@@ -7048,7 +7239,7 @@
 </p:sld>
 </file>
 
-<file path=ppt/slides/slide9.xml><?xml version="1.0" encoding="utf-8"?>
+<file path=ppt/slides/slide8.xml><?xml version="1.0" encoding="utf-8"?>
 <p:sld xmlns:a="http://schemas.openxmlformats.org/drawingml/2006/main" xmlns:r="http://schemas.openxmlformats.org/officeDocument/2006/relationships" xmlns:p="http://schemas.openxmlformats.org/presentationml/2006/main">
   <p:cSld>
     <p:spTree>
@@ -7375,6 +7566,119 @@
             </p:seq>
           </p:childTnLst>
         </p:cTn>
+      </p:par>
+    </p:tnLst>
+  </p:timing>
+</p:sld>
+</file>
+
+<file path=ppt/slides/slide9.xml><?xml version="1.0" encoding="utf-8"?>
+<p:sld xmlns:a="http://schemas.openxmlformats.org/drawingml/2006/main" xmlns:r="http://schemas.openxmlformats.org/officeDocument/2006/relationships" xmlns:p="http://schemas.openxmlformats.org/presentationml/2006/main">
+  <p:cSld>
+    <p:spTree>
+      <p:nvGrpSpPr>
+        <p:cNvPr id="1" name=""/>
+        <p:cNvGrpSpPr/>
+        <p:nvPr/>
+      </p:nvGrpSpPr>
+      <p:grpSpPr>
+        <a:xfrm>
+          <a:off x="0" y="0"/>
+          <a:ext cx="0" cy="0"/>
+          <a:chOff x="0" y="0"/>
+          <a:chExt cx="0" cy="0"/>
+        </a:xfrm>
+      </p:grpSpPr>
+      <p:sp>
+        <p:nvSpPr>
+          <p:cNvPr id="11267" name="Rectangle 2"/>
+          <p:cNvSpPr>
+            <a:spLocks noGrp="1" noChangeArrowheads="1"/>
+          </p:cNvSpPr>
+          <p:nvPr>
+            <p:ph type="title"/>
+          </p:nvPr>
+        </p:nvSpPr>
+        <p:spPr/>
+        <p:txBody>
+          <a:bodyPr/>
+          <a:lstStyle/>
+          <a:p>
+            <a:r>
+              <a:rPr lang="en-US" altLang="zh-CN" dirty="0" smtClean="0"/>
+              <a:t> </a:t>
+            </a:r>
+            <a:r>
+              <a:rPr lang="zh-CN" altLang="en-US" dirty="0" smtClean="0"/>
+              <a:t>软件测试过程模型</a:t>
+            </a:r>
+          </a:p>
+        </p:txBody>
+      </p:sp>
+      <p:sp>
+        <p:nvSpPr>
+          <p:cNvPr id="11268" name="Rectangle 3"/>
+          <p:cNvSpPr>
+            <a:spLocks noGrp="1" noChangeArrowheads="1"/>
+          </p:cNvSpPr>
+          <p:nvPr>
+            <p:ph idx="1"/>
+          </p:nvPr>
+        </p:nvSpPr>
+        <p:spPr/>
+        <p:txBody>
+          <a:bodyPr/>
+          <a:lstStyle/>
+          <a:p>
+            <a:r>
+              <a:rPr lang="en-US" altLang="zh-CN" dirty="0" smtClean="0"/>
+              <a:t>W</a:t>
+            </a:r>
+            <a:r>
+              <a:rPr lang="zh-CN" altLang="en-US" dirty="0" smtClean="0"/>
+              <a:t>模型局限性</a:t>
+            </a:r>
+            <a:endParaRPr lang="en-US" altLang="zh-CN" dirty="0" smtClean="0"/>
+          </a:p>
+          <a:p>
+            <a:pPr lvl="1"/>
+            <a:r>
+              <a:rPr lang="zh-CN" altLang="zh-CN" dirty="0" smtClean="0"/>
+              <a:t>将软件开发看成需求分析、设计和编码等一系列串行的活动</a:t>
+            </a:r>
+          </a:p>
+          <a:p>
+            <a:pPr lvl="1"/>
+            <a:r>
+              <a:rPr lang="zh-CN" altLang="zh-CN" dirty="0" smtClean="0"/>
+              <a:t>开发、测试之间保持着线性的前后关系，无法支持迭代的开发模型，无法支持变更调整</a:t>
+            </a:r>
+          </a:p>
+          <a:p>
+            <a:pPr lvl="1"/>
+            <a:r>
+              <a:rPr lang="zh-CN" altLang="zh-CN" dirty="0" smtClean="0"/>
+              <a:t>未体现测试流程的完整性</a:t>
+            </a:r>
+            <a:endParaRPr lang="zh-CN" altLang="en-US" dirty="0" smtClean="0"/>
+          </a:p>
+        </p:txBody>
+      </p:sp>
+    </p:spTree>
+    <p:extLst>
+      <p:ext uri="{BB962C8B-B14F-4D97-AF65-F5344CB8AC3E}">
+        <p14:creationId xmlns:p14="http://schemas.microsoft.com/office/powerpoint/2010/main" val="3204738119"/>
+      </p:ext>
+    </p:extLst>
+  </p:cSld>
+  <p:clrMapOvr>
+    <a:masterClrMapping/>
+  </p:clrMapOvr>
+  <p:transition/>
+  <p:timing>
+    <p:tnLst>
+      <p:par>
+        <p:cTn id="1" dur="indefinite" restart="never" nodeType="tmRoot"/>
       </p:par>
     </p:tnLst>
   </p:timing>
